--- a/Магазин Мебели.pptx
+++ b/Магазин Мебели.pptx
@@ -14,6 +14,7 @@
     <p:sldId id="262" r:id="rId8"/>
     <p:sldId id="263" r:id="rId9"/>
     <p:sldId id="264" r:id="rId10"/>
+    <p:sldId id="265" r:id="rId11"/>
   </p:sldIdLst>
   <p:sldSz cx="12192000" cy="6858000"/>
   <p:notesSz cx="6858000" cy="9144000"/>
@@ -126,9 +127,13 @@
             <p14:sldId id="262"/>
             <p14:sldId id="263"/>
             <p14:sldId id="264"/>
+            <p14:sldId id="265"/>
           </p14:sldIdLst>
         </p14:section>
       </p14:sectionLst>
+    </p:ext>
+    <p:ext uri="{EFAFB233-063F-42B5-8137-9DF3F51BA10A}">
+      <p15:sldGuideLst xmlns:p15="http://schemas.microsoft.com/office/powerpoint/2012/main"/>
     </p:ext>
   </p:extLst>
 </p:presentation>
@@ -6140,6 +6145,171 @@
 </p:sld>
 </file>
 
+<file path=ppt/slides/slide10.xml><?xml version="1.0" encoding="utf-8"?>
+<p:sld xmlns:a="http://schemas.openxmlformats.org/drawingml/2006/main" xmlns:r="http://schemas.openxmlformats.org/officeDocument/2006/relationships" xmlns:p="http://schemas.openxmlformats.org/presentationml/2006/main">
+  <p:cSld>
+    <p:spTree>
+      <p:nvGrpSpPr>
+        <p:cNvPr id="1" name=""/>
+        <p:cNvGrpSpPr/>
+        <p:nvPr/>
+      </p:nvGrpSpPr>
+      <p:grpSpPr>
+        <a:xfrm>
+          <a:off x="0" y="0"/>
+          <a:ext cx="0" cy="0"/>
+          <a:chOff x="0" y="0"/>
+          <a:chExt cx="0" cy="0"/>
+        </a:xfrm>
+      </p:grpSpPr>
+      <p:sp>
+        <p:nvSpPr>
+          <p:cNvPr id="2" name="Заголовок 1"/>
+          <p:cNvSpPr>
+            <a:spLocks noGrp="1"/>
+          </p:cNvSpPr>
+          <p:nvPr>
+            <p:ph type="title"/>
+          </p:nvPr>
+        </p:nvSpPr>
+        <p:spPr/>
+        <p:txBody>
+          <a:bodyPr/>
+          <a:lstStyle/>
+          <a:p>
+            <a:r>
+              <a:rPr lang="ru-RU" dirty="0">
+                <a:latin typeface="Times New Roman" panose="02020603050405020304" pitchFamily="18" charset="0"/>
+                <a:cs typeface="Times New Roman" panose="02020603050405020304" pitchFamily="18" charset="0"/>
+              </a:rPr>
+              <a:t>Заключение</a:t>
+            </a:r>
+          </a:p>
+        </p:txBody>
+      </p:sp>
+      <p:sp>
+        <p:nvSpPr>
+          <p:cNvPr id="3" name="Объект 2"/>
+          <p:cNvSpPr>
+            <a:spLocks noGrp="1"/>
+          </p:cNvSpPr>
+          <p:nvPr>
+            <p:ph idx="1"/>
+          </p:nvPr>
+        </p:nvSpPr>
+        <p:spPr/>
+        <p:txBody>
+          <a:bodyPr/>
+          <a:lstStyle/>
+          <a:p>
+            <a:pPr marL="36900" indent="0">
+              <a:buNone/>
+            </a:pPr>
+            <a:r>
+              <a:rPr lang="ru-RU" dirty="0" smtClean="0">
+                <a:latin typeface="Times New Roman" panose="02020603050405020304" pitchFamily="18" charset="0"/>
+                <a:cs typeface="Times New Roman" panose="02020603050405020304" pitchFamily="18" charset="0"/>
+              </a:rPr>
+              <a:t>В </a:t>
+            </a:r>
+            <a:r>
+              <a:rPr lang="ru-RU" dirty="0">
+                <a:latin typeface="Times New Roman" panose="02020603050405020304" pitchFamily="18" charset="0"/>
+                <a:cs typeface="Times New Roman" panose="02020603050405020304" pitchFamily="18" charset="0"/>
+              </a:rPr>
+              <a:t>ходе проекта было разработано мобильное приложение «Магазин мебели», которое:</a:t>
+            </a:r>
+          </a:p>
+          <a:p>
+            <a:pPr lvl="2">
+              <a:buFont typeface="Arial" panose="020B0604020202020204" pitchFamily="34" charset="0"/>
+              <a:buChar char="•"/>
+            </a:pPr>
+            <a:r>
+              <a:rPr lang="ru-RU" dirty="0">
+                <a:latin typeface="Times New Roman" panose="02020603050405020304" pitchFamily="18" charset="0"/>
+                <a:cs typeface="Times New Roman" panose="02020603050405020304" pitchFamily="18" charset="0"/>
+              </a:rPr>
+              <a:t>реализует полный цикл покупки товаров;</a:t>
+            </a:r>
+          </a:p>
+          <a:p>
+            <a:pPr lvl="2">
+              <a:buFont typeface="Arial" panose="020B0604020202020204" pitchFamily="34" charset="0"/>
+              <a:buChar char="•"/>
+            </a:pPr>
+            <a:r>
+              <a:rPr lang="ru-RU" dirty="0">
+                <a:latin typeface="Times New Roman" panose="02020603050405020304" pitchFamily="18" charset="0"/>
+                <a:cs typeface="Times New Roman" panose="02020603050405020304" pitchFamily="18" charset="0"/>
+              </a:rPr>
+              <a:t>имеет удобный и понятный интерфейс;</a:t>
+            </a:r>
+          </a:p>
+          <a:p>
+            <a:pPr lvl="2">
+              <a:buFont typeface="Arial" panose="020B0604020202020204" pitchFamily="34" charset="0"/>
+              <a:buChar char="•"/>
+            </a:pPr>
+            <a:r>
+              <a:rPr lang="ru-RU" dirty="0">
+                <a:latin typeface="Times New Roman" panose="02020603050405020304" pitchFamily="18" charset="0"/>
+                <a:cs typeface="Times New Roman" panose="02020603050405020304" pitchFamily="18" charset="0"/>
+              </a:rPr>
+              <a:t>поддерживает авторизацию и профиль пользователя;</a:t>
+            </a:r>
+          </a:p>
+          <a:p>
+            <a:pPr lvl="2">
+              <a:buFont typeface="Arial" panose="020B0604020202020204" pitchFamily="34" charset="0"/>
+              <a:buChar char="•"/>
+            </a:pPr>
+            <a:r>
+              <a:rPr lang="ru-RU" dirty="0">
+                <a:latin typeface="Times New Roman" panose="02020603050405020304" pitchFamily="18" charset="0"/>
+                <a:cs typeface="Times New Roman" panose="02020603050405020304" pitchFamily="18" charset="0"/>
+              </a:rPr>
+              <a:t>соответствует современным требованиям </a:t>
+            </a:r>
+            <a:r>
+              <a:rPr lang="ru-RU" dirty="0" err="1">
+                <a:latin typeface="Times New Roman" panose="02020603050405020304" pitchFamily="18" charset="0"/>
+                <a:cs typeface="Times New Roman" panose="02020603050405020304" pitchFamily="18" charset="0"/>
+              </a:rPr>
+              <a:t>Android</a:t>
+            </a:r>
+            <a:r>
+              <a:rPr lang="ru-RU" dirty="0">
+                <a:latin typeface="Times New Roman" panose="02020603050405020304" pitchFamily="18" charset="0"/>
+                <a:cs typeface="Times New Roman" panose="02020603050405020304" pitchFamily="18" charset="0"/>
+              </a:rPr>
+              <a:t>-разработки.</a:t>
+            </a:r>
+          </a:p>
+          <a:p>
+            <a:pPr marL="36900" indent="0">
+              <a:buNone/>
+            </a:pPr>
+            <a:endParaRPr lang="en-US" dirty="0" smtClean="0">
+              <a:latin typeface="Times New Roman" panose="02020603050405020304" pitchFamily="18" charset="0"/>
+              <a:cs typeface="Times New Roman" panose="02020603050405020304" pitchFamily="18" charset="0"/>
+            </a:endParaRPr>
+          </a:p>
+        </p:txBody>
+      </p:sp>
+    </p:spTree>
+    <p:extLst>
+      <p:ext uri="{BB962C8B-B14F-4D97-AF65-F5344CB8AC3E}">
+        <p14:creationId xmlns:p14="http://schemas.microsoft.com/office/powerpoint/2010/main" val="1279314975"/>
+      </p:ext>
+    </p:extLst>
+  </p:cSld>
+  <p:clrMapOvr>
+    <a:masterClrMapping/>
+  </p:clrMapOvr>
+</p:sld>
+</file>
+
 <file path=ppt/slides/slide2.xml><?xml version="1.0" encoding="utf-8"?>
 <p:sld xmlns:a="http://schemas.openxmlformats.org/drawingml/2006/main" xmlns:r="http://schemas.openxmlformats.org/officeDocument/2006/relationships" xmlns:p="http://schemas.openxmlformats.org/presentationml/2006/main">
   <p:cSld>
@@ -6170,25 +6340,21 @@
         <p:spPr/>
         <p:txBody>
           <a:bodyPr>
-            <a:normAutofit fontScale="90000"/>
+            <a:normAutofit/>
           </a:bodyPr>
           <a:lstStyle/>
           <a:p>
             <a:r>
-              <a:rPr lang="ru-RU" sz="3600" dirty="0" smtClean="0">
-                <a:latin typeface="Times New Roman" panose="02020603050405020304" pitchFamily="18" charset="0"/>
-                <a:cs typeface="Times New Roman" panose="02020603050405020304" pitchFamily="18" charset="0"/>
-              </a:rPr>
-              <a:t>Обзор Проекта: Решение для Современного Покупателя</a:t>
-            </a:r>
-            <a:r>
-              <a:rPr lang="ru-RU" b="1" dirty="0" smtClean="0"/>
-              <a:t/>
-            </a:r>
-            <a:br>
-              <a:rPr lang="ru-RU" b="1" dirty="0" smtClean="0"/>
-            </a:br>
-            <a:endParaRPr lang="ru-RU" dirty="0"/>
+              <a:rPr lang="ru-RU" dirty="0">
+                <a:latin typeface="Times New Roman" panose="02020603050405020304" pitchFamily="18" charset="0"/>
+                <a:cs typeface="Times New Roman" panose="02020603050405020304" pitchFamily="18" charset="0"/>
+              </a:rPr>
+              <a:t>Идея приложения</a:t>
+            </a:r>
+            <a:endParaRPr lang="ru-RU" dirty="0">
+              <a:latin typeface="Times New Roman" panose="02020603050405020304" pitchFamily="18" charset="0"/>
+              <a:cs typeface="Times New Roman" panose="02020603050405020304" pitchFamily="18" charset="0"/>
+            </a:endParaRPr>
           </a:p>
         </p:txBody>
       </p:sp>
@@ -6209,66 +6375,136 @@
           </a:bodyPr>
           <a:lstStyle/>
           <a:p>
+            <a:pPr marL="36900" indent="0">
+              <a:buNone/>
+            </a:pPr>
+            <a:r>
+              <a:rPr lang="ru-RU" b="1" dirty="0">
+                <a:latin typeface="Times New Roman" panose="02020603050405020304" pitchFamily="18" charset="0"/>
+                <a:cs typeface="Times New Roman" panose="02020603050405020304" pitchFamily="18" charset="0"/>
+              </a:rPr>
+              <a:t>Идея проекта</a:t>
+            </a:r>
+            <a:r>
+              <a:rPr lang="ru-RU" dirty="0">
+                <a:latin typeface="Times New Roman" panose="02020603050405020304" pitchFamily="18" charset="0"/>
+                <a:cs typeface="Times New Roman" panose="02020603050405020304" pitchFamily="18" charset="0"/>
+              </a:rPr>
+              <a:t> — создать мобильное приложение для покупки мебели онлайн.</a:t>
+            </a:r>
+          </a:p>
+          <a:p>
+            <a:pPr lvl="1"/>
+            <a:r>
+              <a:rPr lang="ru-RU" dirty="0">
+                <a:latin typeface="Times New Roman" panose="02020603050405020304" pitchFamily="18" charset="0"/>
+                <a:cs typeface="Times New Roman" panose="02020603050405020304" pitchFamily="18" charset="0"/>
+              </a:rPr>
+              <a:t>Приложение позволяет пользователям:</a:t>
+            </a:r>
+          </a:p>
+          <a:p>
+            <a:pPr lvl="2">
+              <a:buFont typeface="Arial" panose="020B0604020202020204" pitchFamily="34" charset="0"/>
+              <a:buChar char="•"/>
+            </a:pPr>
+            <a:r>
+              <a:rPr lang="ru-RU" dirty="0">
+                <a:latin typeface="Times New Roman" panose="02020603050405020304" pitchFamily="18" charset="0"/>
+                <a:cs typeface="Times New Roman" panose="02020603050405020304" pitchFamily="18" charset="0"/>
+              </a:rPr>
+              <a:t>просматривать каталог мебели;</a:t>
+            </a:r>
+          </a:p>
+          <a:p>
+            <a:pPr lvl="2">
+              <a:buFont typeface="Arial" panose="020B0604020202020204" pitchFamily="34" charset="0"/>
+              <a:buChar char="•"/>
+            </a:pPr>
+            <a:r>
+              <a:rPr lang="ru-RU" dirty="0">
+                <a:latin typeface="Times New Roman" panose="02020603050405020304" pitchFamily="18" charset="0"/>
+                <a:cs typeface="Times New Roman" panose="02020603050405020304" pitchFamily="18" charset="0"/>
+              </a:rPr>
+              <a:t>добавлять товары в корзину;</a:t>
+            </a:r>
+          </a:p>
+          <a:p>
+            <a:pPr lvl="2">
+              <a:buFont typeface="Arial" panose="020B0604020202020204" pitchFamily="34" charset="0"/>
+              <a:buChar char="•"/>
+            </a:pPr>
+            <a:r>
+              <a:rPr lang="ru-RU" dirty="0">
+                <a:latin typeface="Times New Roman" panose="02020603050405020304" pitchFamily="18" charset="0"/>
+                <a:cs typeface="Times New Roman" panose="02020603050405020304" pitchFamily="18" charset="0"/>
+              </a:rPr>
+              <a:t>оформлять заказ;</a:t>
+            </a:r>
+          </a:p>
+          <a:p>
+            <a:pPr lvl="2">
+              <a:buFont typeface="Arial" panose="020B0604020202020204" pitchFamily="34" charset="0"/>
+              <a:buChar char="•"/>
+            </a:pPr>
             <a:r>
               <a:rPr lang="ru-RU" dirty="0" smtClean="0">
                 <a:latin typeface="Times New Roman" panose="02020603050405020304" pitchFamily="18" charset="0"/>
                 <a:cs typeface="Times New Roman" panose="02020603050405020304" pitchFamily="18" charset="0"/>
               </a:rPr>
-              <a:t>В современном мире мобильные технологии стали неотъемлемой частью нашей жизни. Приложение "Магазин Мебели" призвано упростить процесс выбора и покупки мебели, сделав его максимально комфортным и эффективным для пользователей </a:t>
-            </a:r>
-            <a:r>
-              <a:rPr lang="ru-RU" dirty="0" err="1" smtClean="0">
-                <a:latin typeface="Times New Roman" panose="02020603050405020304" pitchFamily="18" charset="0"/>
-                <a:cs typeface="Times New Roman" panose="02020603050405020304" pitchFamily="18" charset="0"/>
-              </a:rPr>
-              <a:t>Android</a:t>
+              <a:t>управлять </a:t>
+            </a:r>
+            <a:r>
+              <a:rPr lang="ru-RU" dirty="0">
+                <a:latin typeface="Times New Roman" panose="02020603050405020304" pitchFamily="18" charset="0"/>
+                <a:cs typeface="Times New Roman" panose="02020603050405020304" pitchFamily="18" charset="0"/>
+              </a:rPr>
+              <a:t>своим </a:t>
             </a:r>
             <a:r>
               <a:rPr lang="ru-RU" dirty="0" smtClean="0">
                 <a:latin typeface="Times New Roman" panose="02020603050405020304" pitchFamily="18" charset="0"/>
                 <a:cs typeface="Times New Roman" panose="02020603050405020304" pitchFamily="18" charset="0"/>
               </a:rPr>
-              <a:t>-устройств.</a:t>
-            </a:r>
-          </a:p>
-          <a:p>
-            <a:r>
-              <a:rPr lang="ru-RU" b="1" dirty="0" smtClean="0">
-                <a:latin typeface="Times New Roman" panose="02020603050405020304" pitchFamily="18" charset="0"/>
-                <a:cs typeface="Times New Roman" panose="02020603050405020304" pitchFamily="18" charset="0"/>
-              </a:rPr>
-              <a:t>Ключевые Особенности:</a:t>
-            </a:r>
-          </a:p>
-          <a:p>
+              <a:t>профилем.</a:t>
+            </a:r>
+          </a:p>
+          <a:p>
+            <a:pPr marL="810000" lvl="2" indent="0">
+              <a:buNone/>
+            </a:pPr>
+            <a:endParaRPr lang="ru-RU" dirty="0" smtClean="0">
+              <a:latin typeface="Times New Roman" panose="02020603050405020304" pitchFamily="18" charset="0"/>
+              <a:cs typeface="Times New Roman" panose="02020603050405020304" pitchFamily="18" charset="0"/>
+            </a:endParaRPr>
+          </a:p>
+          <a:p>
+            <a:pPr marL="810000" lvl="2" indent="0">
+              <a:buNone/>
+            </a:pPr>
             <a:r>
               <a:rPr lang="ru-RU" dirty="0" smtClean="0">
                 <a:latin typeface="Times New Roman" panose="02020603050405020304" pitchFamily="18" charset="0"/>
                 <a:cs typeface="Times New Roman" panose="02020603050405020304" pitchFamily="18" charset="0"/>
               </a:rPr>
-              <a:t>Просмотр каталога и удобный поиск.</a:t>
-            </a:r>
-          </a:p>
-          <a:p>
-            <a:r>
-              <a:rPr lang="ru-RU" dirty="0" smtClean="0">
-                <a:latin typeface="Times New Roman" panose="02020603050405020304" pitchFamily="18" charset="0"/>
-                <a:cs typeface="Times New Roman" panose="02020603050405020304" pitchFamily="18" charset="0"/>
-              </a:rPr>
-              <a:t>Персонализированный опыт с избранными товарами.</a:t>
-            </a:r>
-          </a:p>
-          <a:p>
-            <a:r>
-              <a:rPr lang="ru-RU" dirty="0" smtClean="0">
-                <a:latin typeface="Times New Roman" panose="02020603050405020304" pitchFamily="18" charset="0"/>
-                <a:cs typeface="Times New Roman" panose="02020603050405020304" pitchFamily="18" charset="0"/>
-              </a:rPr>
-              <a:t>Бесшовная процедура заказа и доставки.</a:t>
-            </a:r>
-          </a:p>
-          <a:p>
-            <a:endParaRPr lang="ru-RU" dirty="0"/>
+              <a:t>Приложение </a:t>
+            </a:r>
+            <a:r>
+              <a:rPr lang="ru-RU" dirty="0">
+                <a:latin typeface="Times New Roman" panose="02020603050405020304" pitchFamily="18" charset="0"/>
+                <a:cs typeface="Times New Roman" panose="02020603050405020304" pitchFamily="18" charset="0"/>
+              </a:rPr>
+              <a:t>ориентировано на удобство, простой интерфейс и быстрый доступ к товарам.</a:t>
+            </a:r>
+          </a:p>
+          <a:p>
+            <a:pPr marL="36900" indent="0">
+              <a:buNone/>
+            </a:pPr>
+            <a:endParaRPr lang="ru-RU" dirty="0">
+              <a:latin typeface="Times New Roman" panose="02020603050405020304" pitchFamily="18" charset="0"/>
+              <a:cs typeface="Times New Roman" panose="02020603050405020304" pitchFamily="18" charset="0"/>
+            </a:endParaRPr>
           </a:p>
         </p:txBody>
       </p:sp>
@@ -6327,13 +6563,29 @@
           <a:lstStyle/>
           <a:p>
             <a:r>
-              <a:rPr lang="ru-RU" b="1" dirty="0" smtClean="0"/>
-              <a:t>Технические Требования и Платформа</a:t>
+              <a:rPr lang="ru-RU" dirty="0">
+                <a:latin typeface="Times New Roman" panose="02020603050405020304" pitchFamily="18" charset="0"/>
+                <a:cs typeface="Times New Roman" panose="02020603050405020304" pitchFamily="18" charset="0"/>
+              </a:rPr>
+              <a:t>Целевая аудитория</a:t>
+            </a:r>
+            <a:r>
+              <a:rPr lang="ru-RU" b="1" dirty="0" smtClean="0">
+                <a:latin typeface="Times New Roman" panose="02020603050405020304" pitchFamily="18" charset="0"/>
+                <a:cs typeface="Times New Roman" panose="02020603050405020304" pitchFamily="18" charset="0"/>
+              </a:rPr>
+              <a:t/>
             </a:r>
             <a:br>
-              <a:rPr lang="ru-RU" b="1" dirty="0" smtClean="0"/>
+              <a:rPr lang="ru-RU" b="1" dirty="0" smtClean="0">
+                <a:latin typeface="Times New Roman" panose="02020603050405020304" pitchFamily="18" charset="0"/>
+                <a:cs typeface="Times New Roman" panose="02020603050405020304" pitchFamily="18" charset="0"/>
+              </a:rPr>
             </a:br>
-            <a:endParaRPr lang="ru-RU" dirty="0"/>
+            <a:endParaRPr lang="ru-RU" dirty="0">
+              <a:latin typeface="Times New Roman" panose="02020603050405020304" pitchFamily="18" charset="0"/>
+              <a:cs typeface="Times New Roman" panose="02020603050405020304" pitchFamily="18" charset="0"/>
+            </a:endParaRPr>
           </a:p>
         </p:txBody>
       </p:sp>
@@ -6354,57 +6606,83 @@
           </a:bodyPr>
           <a:lstStyle/>
           <a:p>
-            <a:r>
-              <a:rPr lang="ru-RU" b="1" dirty="0" smtClean="0"/>
-              <a:t>Платформа </a:t>
-            </a:r>
-            <a:r>
-              <a:rPr lang="ru-RU" b="1" dirty="0" err="1" smtClean="0"/>
+            <a:pPr>
+              <a:buFont typeface="Arial" panose="020B0604020202020204" pitchFamily="34" charset="0"/>
+              <a:buChar char="•"/>
+            </a:pPr>
+            <a:r>
+              <a:rPr lang="ru-RU" dirty="0">
+                <a:latin typeface="Times New Roman" panose="02020603050405020304" pitchFamily="18" charset="0"/>
+                <a:cs typeface="Times New Roman" panose="02020603050405020304" pitchFamily="18" charset="0"/>
+              </a:rPr>
+              <a:t>Пользователи </a:t>
+            </a:r>
+            <a:r>
+              <a:rPr lang="ru-RU" dirty="0" err="1">
+                <a:latin typeface="Times New Roman" panose="02020603050405020304" pitchFamily="18" charset="0"/>
+                <a:cs typeface="Times New Roman" panose="02020603050405020304" pitchFamily="18" charset="0"/>
+              </a:rPr>
               <a:t>Android</a:t>
             </a:r>
-            <a:endParaRPr lang="ru-RU" b="1" dirty="0" smtClean="0"/>
-          </a:p>
-          <a:p>
-            <a:r>
-              <a:rPr lang="ru-RU" dirty="0" smtClean="0"/>
-              <a:t>Приложение разработано эксклюзивно для мобильной операционной системы </a:t>
-            </a:r>
-            <a:r>
-              <a:rPr lang="ru-RU" dirty="0" err="1" smtClean="0"/>
-              <a:t>Android</a:t>
-            </a:r>
-            <a:r>
-              <a:rPr lang="ru-RU" dirty="0" smtClean="0"/>
-              <a:t>, обеспечивая широкую доступность для большинства пользователей.</a:t>
-            </a:r>
-          </a:p>
-          <a:p>
-            <a:r>
-              <a:rPr lang="ru-RU" b="1" dirty="0" smtClean="0"/>
-              <a:t>Версия </a:t>
-            </a:r>
-            <a:r>
-              <a:rPr lang="ru-RU" b="1" dirty="0" err="1" smtClean="0"/>
-              <a:t>Android</a:t>
-            </a:r>
-            <a:r>
-              <a:rPr lang="ru-RU" b="1" dirty="0" smtClean="0"/>
-              <a:t> 12+</a:t>
-            </a:r>
-          </a:p>
-          <a:p>
-            <a:r>
-              <a:rPr lang="ru-RU" dirty="0" smtClean="0"/>
-              <a:t>Для оптимальной работы и использования всех функций приложения требуется </a:t>
-            </a:r>
-            <a:r>
-              <a:rPr lang="ru-RU" dirty="0" err="1" smtClean="0"/>
-              <a:t>Android</a:t>
-            </a:r>
-            <a:r>
-              <a:rPr lang="ru-RU" dirty="0" smtClean="0"/>
-              <a:t> версии 12 и выше, что гарантирует совместимость с современными стандартами безопасности и производительности.</a:t>
-            </a:r>
+            <a:r>
+              <a:rPr lang="ru-RU" dirty="0">
+                <a:latin typeface="Times New Roman" panose="02020603050405020304" pitchFamily="18" charset="0"/>
+                <a:cs typeface="Times New Roman" panose="02020603050405020304" pitchFamily="18" charset="0"/>
+              </a:rPr>
+              <a:t> от 12 </a:t>
+            </a:r>
+            <a:r>
+              <a:rPr lang="ru-RU" dirty="0" smtClean="0">
+                <a:latin typeface="Times New Roman" panose="02020603050405020304" pitchFamily="18" charset="0"/>
+                <a:cs typeface="Times New Roman" panose="02020603050405020304" pitchFamily="18" charset="0"/>
+              </a:rPr>
+              <a:t>версии</a:t>
+            </a:r>
+            <a:endParaRPr lang="en-US" dirty="0" smtClean="0">
+              <a:latin typeface="Times New Roman" panose="02020603050405020304" pitchFamily="18" charset="0"/>
+              <a:cs typeface="Times New Roman" panose="02020603050405020304" pitchFamily="18" charset="0"/>
+            </a:endParaRPr>
+          </a:p>
+          <a:p>
+            <a:pPr>
+              <a:buFont typeface="Arial" panose="020B0604020202020204" pitchFamily="34" charset="0"/>
+              <a:buChar char="•"/>
+            </a:pPr>
+            <a:r>
+              <a:rPr lang="ru-RU" dirty="0">
+                <a:latin typeface="Times New Roman" panose="02020603050405020304" pitchFamily="18" charset="0"/>
+                <a:cs typeface="Times New Roman" panose="02020603050405020304" pitchFamily="18" charset="0"/>
+              </a:rPr>
+              <a:t>Люди, которые хотят купить мебель </a:t>
+            </a:r>
+            <a:r>
+              <a:rPr lang="ru-RU" dirty="0" smtClean="0">
+                <a:latin typeface="Times New Roman" panose="02020603050405020304" pitchFamily="18" charset="0"/>
+                <a:cs typeface="Times New Roman" panose="02020603050405020304" pitchFamily="18" charset="0"/>
+              </a:rPr>
+              <a:t>онлайн</a:t>
+            </a:r>
+            <a:endParaRPr lang="en-US" dirty="0" smtClean="0">
+              <a:latin typeface="Times New Roman" panose="02020603050405020304" pitchFamily="18" charset="0"/>
+              <a:cs typeface="Times New Roman" panose="02020603050405020304" pitchFamily="18" charset="0"/>
+            </a:endParaRPr>
+          </a:p>
+          <a:p>
+            <a:pPr>
+              <a:buFont typeface="Arial" panose="020B0604020202020204" pitchFamily="34" charset="0"/>
+              <a:buChar char="•"/>
+            </a:pPr>
+            <a:r>
+              <a:rPr lang="ru-RU" dirty="0">
+                <a:latin typeface="Times New Roman" panose="02020603050405020304" pitchFamily="18" charset="0"/>
+                <a:cs typeface="Times New Roman" panose="02020603050405020304" pitchFamily="18" charset="0"/>
+              </a:rPr>
+              <a:t>Покупатели, предпочитающие мобильные приложения вместо сайтов</a:t>
+            </a:r>
+            <a:endParaRPr lang="ru-RU" dirty="0" smtClean="0">
+              <a:latin typeface="Times New Roman" panose="02020603050405020304" pitchFamily="18" charset="0"/>
+              <a:cs typeface="Times New Roman" panose="02020603050405020304" pitchFamily="18" charset="0"/>
+            </a:endParaRPr>
           </a:p>
           <a:p>
             <a:endParaRPr lang="ru-RU" dirty="0"/>
@@ -6461,25 +6739,21 @@
         <p:spPr/>
         <p:txBody>
           <a:bodyPr>
-            <a:normAutofit fontScale="90000"/>
+            <a:normAutofit/>
           </a:bodyPr>
           <a:lstStyle/>
           <a:p>
             <a:r>
-              <a:rPr lang="ru-RU" sz="3600" dirty="0" smtClean="0">
-                <a:latin typeface="Times New Roman" panose="02020603050405020304" pitchFamily="18" charset="0"/>
-                <a:cs typeface="Times New Roman" panose="02020603050405020304" pitchFamily="18" charset="0"/>
-              </a:rPr>
-              <a:t>Простая Установка и Быстрый Старт</a:t>
-            </a:r>
-            <a:r>
-              <a:rPr lang="ru-RU" b="1" dirty="0" smtClean="0"/>
-              <a:t/>
-            </a:r>
-            <a:br>
-              <a:rPr lang="ru-RU" b="1" dirty="0" smtClean="0"/>
-            </a:br>
-            <a:endParaRPr lang="ru-RU" dirty="0"/>
+              <a:rPr lang="ru-RU" dirty="0">
+                <a:latin typeface="Times New Roman" panose="02020603050405020304" pitchFamily="18" charset="0"/>
+                <a:cs typeface="Times New Roman" panose="02020603050405020304" pitchFamily="18" charset="0"/>
+              </a:rPr>
+              <a:t>Основной функционал</a:t>
+            </a:r>
+            <a:endParaRPr lang="ru-RU" dirty="0">
+              <a:latin typeface="Times New Roman" panose="02020603050405020304" pitchFamily="18" charset="0"/>
+              <a:cs typeface="Times New Roman" panose="02020603050405020304" pitchFamily="18" charset="0"/>
+            </a:endParaRPr>
           </a:p>
         </p:txBody>
       </p:sp>
@@ -6499,78 +6773,102 @@
           <a:lstStyle/>
           <a:p>
             <a:r>
-              <a:rPr lang="ru-RU" b="1" dirty="0" smtClean="0">
-                <a:latin typeface="Times New Roman" panose="02020603050405020304" pitchFamily="18" charset="0"/>
-                <a:cs typeface="Times New Roman" panose="02020603050405020304" pitchFamily="18" charset="0"/>
-              </a:rPr>
-              <a:t>Скачивание APK-файла</a:t>
-            </a:r>
-            <a:r>
-              <a:rPr lang="ru-RU" dirty="0" smtClean="0">
-                <a:latin typeface="Times New Roman" panose="02020603050405020304" pitchFamily="18" charset="0"/>
-                <a:cs typeface="Times New Roman" panose="02020603050405020304" pitchFamily="18" charset="0"/>
-              </a:rPr>
-              <a:t> Загрузите установочный файл приложения (.</a:t>
-            </a:r>
-            <a:r>
-              <a:rPr lang="ru-RU" dirty="0" err="1" smtClean="0">
-                <a:latin typeface="Times New Roman" panose="02020603050405020304" pitchFamily="18" charset="0"/>
-                <a:cs typeface="Times New Roman" panose="02020603050405020304" pitchFamily="18" charset="0"/>
-              </a:rPr>
-              <a:t>apk</a:t>
-            </a:r>
-            <a:r>
-              <a:rPr lang="ru-RU" dirty="0" smtClean="0">
-                <a:latin typeface="Times New Roman" panose="02020603050405020304" pitchFamily="18" charset="0"/>
-                <a:cs typeface="Times New Roman" panose="02020603050405020304" pitchFamily="18" charset="0"/>
-              </a:rPr>
-              <a:t>) с официального сайта или доверенного источника.</a:t>
-            </a:r>
-          </a:p>
-          <a:p>
-            <a:r>
-              <a:rPr lang="ru-RU" b="1" dirty="0" smtClean="0">
-                <a:latin typeface="Times New Roman" panose="02020603050405020304" pitchFamily="18" charset="0"/>
-                <a:cs typeface="Times New Roman" panose="02020603050405020304" pitchFamily="18" charset="0"/>
-              </a:rPr>
-              <a:t>Установка на Устройство</a:t>
-            </a:r>
-            <a:r>
-              <a:rPr lang="ru-RU" dirty="0" smtClean="0">
-                <a:latin typeface="Times New Roman" panose="02020603050405020304" pitchFamily="18" charset="0"/>
-                <a:cs typeface="Times New Roman" panose="02020603050405020304" pitchFamily="18" charset="0"/>
-              </a:rPr>
-              <a:t> Следуйте инструкциям на экране для установки приложения на ваш </a:t>
-            </a:r>
-            <a:r>
-              <a:rPr lang="ru-RU" dirty="0" err="1" smtClean="0">
-                <a:latin typeface="Times New Roman" panose="02020603050405020304" pitchFamily="18" charset="0"/>
-                <a:cs typeface="Times New Roman" panose="02020603050405020304" pitchFamily="18" charset="0"/>
-              </a:rPr>
-              <a:t>Android</a:t>
-            </a:r>
-            <a:r>
-              <a:rPr lang="ru-RU" dirty="0" smtClean="0">
-                <a:latin typeface="Times New Roman" panose="02020603050405020304" pitchFamily="18" charset="0"/>
-                <a:cs typeface="Times New Roman" panose="02020603050405020304" pitchFamily="18" charset="0"/>
-              </a:rPr>
-              <a:t>-смартфон или планшет.</a:t>
-            </a:r>
-          </a:p>
-          <a:p>
-            <a:r>
-              <a:rPr lang="ru-RU" b="1" dirty="0" smtClean="0">
-                <a:latin typeface="Times New Roman" panose="02020603050405020304" pitchFamily="18" charset="0"/>
-                <a:cs typeface="Times New Roman" panose="02020603050405020304" pitchFamily="18" charset="0"/>
-              </a:rPr>
-              <a:t>Разрешения из Неизвестных Источников</a:t>
-            </a:r>
-            <a:r>
-              <a:rPr lang="ru-RU" dirty="0" smtClean="0">
-                <a:latin typeface="Times New Roman" panose="02020603050405020304" pitchFamily="18" charset="0"/>
-                <a:cs typeface="Times New Roman" panose="02020603050405020304" pitchFamily="18" charset="0"/>
-              </a:rPr>
-              <a:t> При необходимости разрешите установку приложений из неизвестных источников в настройках вашего устройства для успешной инсталляции.</a:t>
+              <a:rPr lang="ru-RU" dirty="0">
+                <a:latin typeface="Times New Roman" panose="02020603050405020304" pitchFamily="18" charset="0"/>
+                <a:cs typeface="Times New Roman" panose="02020603050405020304" pitchFamily="18" charset="0"/>
+              </a:rPr>
+              <a:t>В приложении реализованы следующие возможности:</a:t>
+            </a:r>
+          </a:p>
+          <a:p>
+            <a:pPr lvl="2">
+              <a:buFont typeface="Arial" panose="020B0604020202020204" pitchFamily="34" charset="0"/>
+              <a:buChar char="•"/>
+            </a:pPr>
+            <a:r>
+              <a:rPr lang="ru-RU" dirty="0">
+                <a:latin typeface="Times New Roman" panose="02020603050405020304" pitchFamily="18" charset="0"/>
+                <a:cs typeface="Times New Roman" panose="02020603050405020304" pitchFamily="18" charset="0"/>
+              </a:rPr>
+              <a:t>Авторизация и вход пользователя</a:t>
+            </a:r>
+          </a:p>
+          <a:p>
+            <a:pPr lvl="2">
+              <a:buFont typeface="Arial" panose="020B0604020202020204" pitchFamily="34" charset="0"/>
+              <a:buChar char="•"/>
+            </a:pPr>
+            <a:r>
+              <a:rPr lang="ru-RU" dirty="0">
+                <a:latin typeface="Times New Roman" panose="02020603050405020304" pitchFamily="18" charset="0"/>
+                <a:cs typeface="Times New Roman" panose="02020603050405020304" pitchFamily="18" charset="0"/>
+              </a:rPr>
+              <a:t>Главная страница с каталогом товаров</a:t>
+            </a:r>
+          </a:p>
+          <a:p>
+            <a:pPr lvl="2">
+              <a:buFont typeface="Arial" panose="020B0604020202020204" pitchFamily="34" charset="0"/>
+              <a:buChar char="•"/>
+            </a:pPr>
+            <a:r>
+              <a:rPr lang="ru-RU" dirty="0">
+                <a:latin typeface="Times New Roman" panose="02020603050405020304" pitchFamily="18" charset="0"/>
+                <a:cs typeface="Times New Roman" panose="02020603050405020304" pitchFamily="18" charset="0"/>
+              </a:rPr>
+              <a:t>Корзина с оформлением заказа</a:t>
+            </a:r>
+          </a:p>
+          <a:p>
+            <a:pPr lvl="2">
+              <a:buFont typeface="Arial" panose="020B0604020202020204" pitchFamily="34" charset="0"/>
+              <a:buChar char="•"/>
+            </a:pPr>
+            <a:r>
+              <a:rPr lang="ru-RU" dirty="0">
+                <a:latin typeface="Times New Roman" panose="02020603050405020304" pitchFamily="18" charset="0"/>
+                <a:cs typeface="Times New Roman" panose="02020603050405020304" pitchFamily="18" charset="0"/>
+              </a:rPr>
+              <a:t>Профиль покупателя</a:t>
+            </a:r>
+          </a:p>
+          <a:p>
+            <a:pPr lvl="2">
+              <a:buFont typeface="Arial" panose="020B0604020202020204" pitchFamily="34" charset="0"/>
+              <a:buChar char="•"/>
+            </a:pPr>
+            <a:r>
+              <a:rPr lang="ru-RU" dirty="0">
+                <a:latin typeface="Times New Roman" panose="02020603050405020304" pitchFamily="18" charset="0"/>
+                <a:cs typeface="Times New Roman" panose="02020603050405020304" pitchFamily="18" charset="0"/>
+              </a:rPr>
+              <a:t>Смена темы приложения (светлая / тёмная)</a:t>
+            </a:r>
+          </a:p>
+          <a:p>
+            <a:pPr lvl="2">
+              <a:buFont typeface="Arial" panose="020B0604020202020204" pitchFamily="34" charset="0"/>
+              <a:buChar char="•"/>
+            </a:pPr>
+            <a:r>
+              <a:rPr lang="ru-RU" dirty="0">
+                <a:latin typeface="Times New Roman" panose="02020603050405020304" pitchFamily="18" charset="0"/>
+                <a:cs typeface="Times New Roman" panose="02020603050405020304" pitchFamily="18" charset="0"/>
+              </a:rPr>
+              <a:t>Изменение пароля</a:t>
+            </a:r>
+          </a:p>
+          <a:p>
+            <a:pPr lvl="2">
+              <a:buFont typeface="Arial" panose="020B0604020202020204" pitchFamily="34" charset="0"/>
+              <a:buChar char="•"/>
+            </a:pPr>
+            <a:r>
+              <a:rPr lang="ru-RU" dirty="0">
+                <a:latin typeface="Times New Roman" panose="02020603050405020304" pitchFamily="18" charset="0"/>
+                <a:cs typeface="Times New Roman" panose="02020603050405020304" pitchFamily="18" charset="0"/>
+              </a:rPr>
+              <a:t>Заполнение личных данных пользователя</a:t>
             </a:r>
           </a:p>
           <a:p>
@@ -6638,11 +6936,11 @@
           <a:lstStyle/>
           <a:p>
             <a:r>
-              <a:rPr lang="ru-RU" sz="2800" dirty="0" smtClean="0">
-                <a:latin typeface="Times New Roman" panose="02020603050405020304" pitchFamily="18" charset="0"/>
-                <a:cs typeface="Times New Roman" panose="02020603050405020304" pitchFamily="18" charset="0"/>
-              </a:rPr>
-              <a:t>Удобная Авторизация: Ваш Личный Пространство</a:t>
+              <a:rPr lang="ru-RU" sz="2800" dirty="0">
+                <a:latin typeface="Times New Roman" panose="02020603050405020304" pitchFamily="18" charset="0"/>
+                <a:cs typeface="Times New Roman" panose="02020603050405020304" pitchFamily="18" charset="0"/>
+              </a:rPr>
+              <a:t>Архитектура приложения</a:t>
             </a:r>
             <a:endParaRPr lang="ru-RU" sz="2800" dirty="0">
               <a:latin typeface="Times New Roman" panose="02020603050405020304" pitchFamily="18" charset="0"/>
@@ -6651,48 +6949,6 @@
           </a:p>
         </p:txBody>
       </p:sp>
-      <p:pic>
-        <p:nvPicPr>
-          <p:cNvPr id="1026" name="Picture 2" descr="https://cdn.gamma.app/hm0ogdqqzxe9fcd/7594d2c81e554f3a95a6d97794494a41/original/image.png"/>
-          <p:cNvPicPr>
-            <a:picLocks noGrp="1" noChangeAspect="1" noChangeArrowheads="1"/>
-          </p:cNvPicPr>
-          <p:nvPr>
-            <p:ph sz="half" idx="1"/>
-          </p:nvPr>
-        </p:nvPicPr>
-        <p:blipFill>
-          <a:blip r:embed="rId2" cstate="print">
-            <a:extLst>
-              <a:ext uri="{28A0092B-C50C-407E-A947-70E740481C1C}">
-                <a14:useLocalDpi xmlns:a14="http://schemas.microsoft.com/office/drawing/2010/main" val="0"/>
-              </a:ext>
-            </a:extLst>
-          </a:blip>
-          <a:stretch>
-            <a:fillRect/>
-          </a:stretch>
-        </p:blipFill>
-        <p:spPr bwMode="auto">
-          <a:xfrm>
-            <a:off x="2484479" y="1731963"/>
-            <a:ext cx="1919205" cy="4059237"/>
-          </a:xfrm>
-          <a:prstGeom prst="rect">
-            <a:avLst/>
-          </a:prstGeom>
-          <a:noFill/>
-          <a:extLst>
-            <a:ext uri="{909E8E84-426E-40DD-AFC4-6F175D3DCCD1}">
-              <a14:hiddenFill xmlns:a14="http://schemas.microsoft.com/office/drawing/2010/main">
-                <a:solidFill>
-                  <a:srgbClr val="FFFFFF"/>
-                </a:solidFill>
-              </a14:hiddenFill>
-            </a:ext>
-          </a:extLst>
-        </p:spPr>
-      </p:pic>
       <p:sp>
         <p:nvSpPr>
           <p:cNvPr id="4" name="Объект 3"/>
@@ -6710,140 +6966,189 @@
           </a:bodyPr>
           <a:lstStyle/>
           <a:p>
-            <a:pPr marL="0" indent="0">
+            <a:r>
+              <a:rPr lang="ru-RU" dirty="0">
+                <a:latin typeface="Times New Roman" panose="02020603050405020304" pitchFamily="18" charset="0"/>
+                <a:cs typeface="Times New Roman" panose="02020603050405020304" pitchFamily="18" charset="0"/>
+              </a:rPr>
+              <a:t>Архитектура обеспечивает:</a:t>
+            </a:r>
+          </a:p>
+          <a:p>
+            <a:r>
+              <a:rPr lang="ru-RU" dirty="0">
+                <a:latin typeface="Times New Roman" panose="02020603050405020304" pitchFamily="18" charset="0"/>
+                <a:cs typeface="Times New Roman" panose="02020603050405020304" pitchFamily="18" charset="0"/>
+              </a:rPr>
+              <a:t>удобную поддержку кода;</a:t>
+            </a:r>
+          </a:p>
+          <a:p>
+            <a:r>
+              <a:rPr lang="ru-RU" dirty="0">
+                <a:latin typeface="Times New Roman" panose="02020603050405020304" pitchFamily="18" charset="0"/>
+                <a:cs typeface="Times New Roman" panose="02020603050405020304" pitchFamily="18" charset="0"/>
+              </a:rPr>
+              <a:t>масштабируемость;</a:t>
+            </a:r>
+          </a:p>
+          <a:p>
+            <a:r>
+              <a:rPr lang="ru-RU" dirty="0">
+                <a:latin typeface="Times New Roman" panose="02020603050405020304" pitchFamily="18" charset="0"/>
+                <a:cs typeface="Times New Roman" panose="02020603050405020304" pitchFamily="18" charset="0"/>
+              </a:rPr>
+              <a:t>разделение логики и интерфейса.</a:t>
+            </a:r>
+          </a:p>
+          <a:p>
+            <a:pPr marL="36900" indent="0">
               <a:buNone/>
             </a:pPr>
-            <a:r>
-              <a:rPr lang="en-US" sz="2000" b="1" dirty="0" smtClean="0">
-                <a:latin typeface="Times New Roman" panose="02020603050405020304" pitchFamily="18" charset="0"/>
-                <a:cs typeface="Times New Roman" panose="02020603050405020304" pitchFamily="18" charset="0"/>
-              </a:rPr>
-              <a:t>1. </a:t>
-            </a:r>
-            <a:r>
-              <a:rPr lang="ru-RU" sz="2000" b="1" dirty="0" smtClean="0">
-                <a:latin typeface="Times New Roman" panose="02020603050405020304" pitchFamily="18" charset="0"/>
-                <a:cs typeface="Times New Roman" panose="02020603050405020304" pitchFamily="18" charset="0"/>
-              </a:rPr>
-              <a:t>Вход через </a:t>
-            </a:r>
-            <a:r>
-              <a:rPr lang="ru-RU" sz="2000" b="1" dirty="0" err="1" smtClean="0">
-                <a:latin typeface="Times New Roman" panose="02020603050405020304" pitchFamily="18" charset="0"/>
-                <a:cs typeface="Times New Roman" panose="02020603050405020304" pitchFamily="18" charset="0"/>
-              </a:rPr>
-              <a:t>Google</a:t>
-            </a:r>
-            <a:endParaRPr lang="ru-RU" sz="2000" dirty="0" smtClean="0">
+            <a:endParaRPr lang="ru-RU" dirty="0">
               <a:latin typeface="Times New Roman" panose="02020603050405020304" pitchFamily="18" charset="0"/>
               <a:cs typeface="Times New Roman" panose="02020603050405020304" pitchFamily="18" charset="0"/>
             </a:endParaRPr>
           </a:p>
-          <a:p>
-            <a:pPr marL="0" indent="0">
+        </p:txBody>
+      </p:sp>
+      <p:sp>
+        <p:nvSpPr>
+          <p:cNvPr id="3" name="Объект 2"/>
+          <p:cNvSpPr>
+            <a:spLocks noGrp="1"/>
+          </p:cNvSpPr>
+          <p:nvPr>
+            <p:ph sz="half" idx="1"/>
+          </p:nvPr>
+        </p:nvSpPr>
+        <p:spPr/>
+        <p:txBody>
+          <a:bodyPr/>
+          <a:lstStyle/>
+          <a:p>
+            <a:pPr marL="36900" indent="0">
               <a:buNone/>
             </a:pPr>
             <a:r>
-              <a:rPr lang="ru-RU" sz="2000" dirty="0" smtClean="0">
-                <a:latin typeface="Times New Roman" panose="02020603050405020304" pitchFamily="18" charset="0"/>
-                <a:cs typeface="Times New Roman" panose="02020603050405020304" pitchFamily="18" charset="0"/>
-              </a:rPr>
-              <a:t>Быстрая и безопасная авторизация с использованием вашего </a:t>
-            </a:r>
-            <a:r>
-              <a:rPr lang="ru-RU" sz="2000" dirty="0" err="1" smtClean="0">
-                <a:latin typeface="Times New Roman" panose="02020603050405020304" pitchFamily="18" charset="0"/>
-                <a:cs typeface="Times New Roman" panose="02020603050405020304" pitchFamily="18" charset="0"/>
-              </a:rPr>
-              <a:t>Google</a:t>
-            </a:r>
-            <a:r>
-              <a:rPr lang="ru-RU" sz="2000" dirty="0" smtClean="0">
-                <a:latin typeface="Times New Roman" panose="02020603050405020304" pitchFamily="18" charset="0"/>
-                <a:cs typeface="Times New Roman" panose="02020603050405020304" pitchFamily="18" charset="0"/>
-              </a:rPr>
-              <a:t>-аккаунта в несколько касаний.</a:t>
-            </a:r>
-          </a:p>
-          <a:p>
-            <a:pPr marL="0" indent="0">
-              <a:buNone/>
-            </a:pPr>
-            <a:r>
-              <a:rPr lang="en-US" sz="2000" b="1" dirty="0" smtClean="0">
-                <a:latin typeface="Times New Roman" panose="02020603050405020304" pitchFamily="18" charset="0"/>
-                <a:cs typeface="Times New Roman" panose="02020603050405020304" pitchFamily="18" charset="0"/>
-              </a:rPr>
-              <a:t>2. </a:t>
-            </a:r>
-            <a:r>
-              <a:rPr lang="ru-RU" sz="2000" b="1" dirty="0" smtClean="0">
-                <a:latin typeface="Times New Roman" panose="02020603050405020304" pitchFamily="18" charset="0"/>
-                <a:cs typeface="Times New Roman" panose="02020603050405020304" pitchFamily="18" charset="0"/>
-              </a:rPr>
-              <a:t>Регистрация по </a:t>
-            </a:r>
-            <a:r>
-              <a:rPr lang="ru-RU" sz="2000" b="1" dirty="0" err="1" smtClean="0">
-                <a:latin typeface="Times New Roman" panose="02020603050405020304" pitchFamily="18" charset="0"/>
-                <a:cs typeface="Times New Roman" panose="02020603050405020304" pitchFamily="18" charset="0"/>
-              </a:rPr>
-              <a:t>Email</a:t>
-            </a:r>
-            <a:endParaRPr lang="ru-RU" sz="2000" dirty="0" smtClean="0">
+              <a:rPr lang="ru-RU" dirty="0">
+                <a:latin typeface="Times New Roman" panose="02020603050405020304" pitchFamily="18" charset="0"/>
+                <a:cs typeface="Times New Roman" panose="02020603050405020304" pitchFamily="18" charset="0"/>
+              </a:rPr>
+              <a:t>В приложении используется </a:t>
+            </a:r>
+            <a:r>
+              <a:rPr lang="ru-RU" b="1" dirty="0">
+                <a:latin typeface="Times New Roman" panose="02020603050405020304" pitchFamily="18" charset="0"/>
+                <a:cs typeface="Times New Roman" panose="02020603050405020304" pitchFamily="18" charset="0"/>
+              </a:rPr>
+              <a:t>клиент-серверная архитектура</a:t>
+            </a:r>
+            <a:r>
+              <a:rPr lang="ru-RU" dirty="0" smtClean="0">
+                <a:latin typeface="Times New Roman" panose="02020603050405020304" pitchFamily="18" charset="0"/>
+                <a:cs typeface="Times New Roman" panose="02020603050405020304" pitchFamily="18" charset="0"/>
+              </a:rPr>
+              <a:t>.</a:t>
+            </a:r>
+            <a:endParaRPr lang="en-US" dirty="0">
               <a:latin typeface="Times New Roman" panose="02020603050405020304" pitchFamily="18" charset="0"/>
               <a:cs typeface="Times New Roman" panose="02020603050405020304" pitchFamily="18" charset="0"/>
             </a:endParaRPr>
           </a:p>
           <a:p>
-            <a:pPr marL="0" indent="0">
+            <a:r>
+              <a:rPr lang="ru-RU" b="1" dirty="0">
+                <a:latin typeface="Times New Roman" panose="02020603050405020304" pitchFamily="18" charset="0"/>
+                <a:cs typeface="Times New Roman" panose="02020603050405020304" pitchFamily="18" charset="0"/>
+              </a:rPr>
+              <a:t>Основные компоненты:</a:t>
+            </a:r>
+          </a:p>
+          <a:p>
+            <a:r>
+              <a:rPr lang="ru-RU" b="1" dirty="0">
+                <a:latin typeface="Times New Roman" panose="02020603050405020304" pitchFamily="18" charset="0"/>
+                <a:cs typeface="Times New Roman" panose="02020603050405020304" pitchFamily="18" charset="0"/>
+              </a:rPr>
+              <a:t>UI (</a:t>
+            </a:r>
+            <a:r>
+              <a:rPr lang="ru-RU" b="1" dirty="0" err="1">
+                <a:latin typeface="Times New Roman" panose="02020603050405020304" pitchFamily="18" charset="0"/>
+                <a:cs typeface="Times New Roman" panose="02020603050405020304" pitchFamily="18" charset="0"/>
+              </a:rPr>
+              <a:t>User</a:t>
+            </a:r>
+            <a:r>
+              <a:rPr lang="ru-RU" b="1" dirty="0">
+                <a:latin typeface="Times New Roman" panose="02020603050405020304" pitchFamily="18" charset="0"/>
+                <a:cs typeface="Times New Roman" panose="02020603050405020304" pitchFamily="18" charset="0"/>
+              </a:rPr>
+              <a:t> </a:t>
+            </a:r>
+            <a:r>
+              <a:rPr lang="ru-RU" b="1" dirty="0" err="1">
+                <a:latin typeface="Times New Roman" panose="02020603050405020304" pitchFamily="18" charset="0"/>
+                <a:cs typeface="Times New Roman" panose="02020603050405020304" pitchFamily="18" charset="0"/>
+              </a:rPr>
+              <a:t>Interface</a:t>
+            </a:r>
+            <a:r>
+              <a:rPr lang="ru-RU" b="1" dirty="0">
+                <a:latin typeface="Times New Roman" panose="02020603050405020304" pitchFamily="18" charset="0"/>
+                <a:cs typeface="Times New Roman" panose="02020603050405020304" pitchFamily="18" charset="0"/>
+              </a:rPr>
+              <a:t>)</a:t>
+            </a:r>
+            <a:r>
+              <a:rPr lang="ru-RU" dirty="0">
+                <a:latin typeface="Times New Roman" panose="02020603050405020304" pitchFamily="18" charset="0"/>
+                <a:cs typeface="Times New Roman" panose="02020603050405020304" pitchFamily="18" charset="0"/>
+              </a:rPr>
+              <a:t> — экраны приложения</a:t>
+            </a:r>
+          </a:p>
+          <a:p>
+            <a:r>
+              <a:rPr lang="ru-RU" b="1" dirty="0">
+                <a:latin typeface="Times New Roman" panose="02020603050405020304" pitchFamily="18" charset="0"/>
+                <a:cs typeface="Times New Roman" panose="02020603050405020304" pitchFamily="18" charset="0"/>
+              </a:rPr>
+              <a:t>Логика приложения</a:t>
+            </a:r>
+            <a:r>
+              <a:rPr lang="ru-RU" dirty="0">
+                <a:latin typeface="Times New Roman" panose="02020603050405020304" pitchFamily="18" charset="0"/>
+                <a:cs typeface="Times New Roman" panose="02020603050405020304" pitchFamily="18" charset="0"/>
+              </a:rPr>
+              <a:t> — обработка действий пользователя</a:t>
+            </a:r>
+          </a:p>
+          <a:p>
+            <a:r>
+              <a:rPr lang="ru-RU" b="1" dirty="0">
+                <a:latin typeface="Times New Roman" panose="02020603050405020304" pitchFamily="18" charset="0"/>
+                <a:cs typeface="Times New Roman" panose="02020603050405020304" pitchFamily="18" charset="0"/>
+              </a:rPr>
+              <a:t>Хранение данных</a:t>
+            </a:r>
+            <a:r>
+              <a:rPr lang="ru-RU" dirty="0">
+                <a:latin typeface="Times New Roman" panose="02020603050405020304" pitchFamily="18" charset="0"/>
+                <a:cs typeface="Times New Roman" panose="02020603050405020304" pitchFamily="18" charset="0"/>
+              </a:rPr>
+              <a:t> — данные пользователя, корзина, товары</a:t>
+            </a:r>
+          </a:p>
+          <a:p>
+            <a:pPr marL="36900" indent="0">
               <a:buNone/>
             </a:pPr>
-            <a:r>
-              <a:rPr lang="ru-RU" sz="2000" dirty="0" smtClean="0">
-                <a:latin typeface="Times New Roman" panose="02020603050405020304" pitchFamily="18" charset="0"/>
-                <a:cs typeface="Times New Roman" panose="02020603050405020304" pitchFamily="18" charset="0"/>
-              </a:rPr>
-              <a:t>Создание нового аккаунта с помощью электронной почты и надежного пароля.</a:t>
-            </a:r>
-          </a:p>
-          <a:p>
-            <a:pPr marL="0" indent="0">
-              <a:buNone/>
-            </a:pPr>
-            <a:r>
-              <a:rPr lang="en-US" sz="2000" b="1" dirty="0" smtClean="0">
-                <a:latin typeface="Times New Roman" panose="02020603050405020304" pitchFamily="18" charset="0"/>
-                <a:cs typeface="Times New Roman" panose="02020603050405020304" pitchFamily="18" charset="0"/>
-              </a:rPr>
-              <a:t>3. </a:t>
-            </a:r>
-            <a:r>
-              <a:rPr lang="ru-RU" sz="2000" b="1" dirty="0" smtClean="0">
-                <a:latin typeface="Times New Roman" panose="02020603050405020304" pitchFamily="18" charset="0"/>
-                <a:cs typeface="Times New Roman" panose="02020603050405020304" pitchFamily="18" charset="0"/>
-              </a:rPr>
-              <a:t>Существующий Аккаунт</a:t>
-            </a:r>
-            <a:endParaRPr lang="ru-RU" sz="2000" dirty="0" smtClean="0">
+            <a:endParaRPr lang="ru-RU" dirty="0">
               <a:latin typeface="Times New Roman" panose="02020603050405020304" pitchFamily="18" charset="0"/>
               <a:cs typeface="Times New Roman" panose="02020603050405020304" pitchFamily="18" charset="0"/>
             </a:endParaRPr>
-          </a:p>
-          <a:p>
-            <a:pPr marL="0" indent="0">
-              <a:buNone/>
-            </a:pPr>
-            <a:r>
-              <a:rPr lang="ru-RU" sz="2000" dirty="0" smtClean="0">
-                <a:latin typeface="Times New Roman" panose="02020603050405020304" pitchFamily="18" charset="0"/>
-                <a:cs typeface="Times New Roman" panose="02020603050405020304" pitchFamily="18" charset="0"/>
-              </a:rPr>
-              <a:t>Простой вход в уже созданный аккаунт для продолжения покупок.</a:t>
-            </a:r>
-          </a:p>
-          <a:p>
-            <a:endParaRPr lang="ru-RU" dirty="0"/>
           </a:p>
         </p:txBody>
       </p:sp>
@@ -6907,175 +7212,147 @@
           <a:lstStyle/>
           <a:p>
             <a:r>
-              <a:rPr lang="ru-RU" sz="3200" dirty="0" smtClean="0">
-                <a:latin typeface="Times New Roman" panose="02020603050405020304" pitchFamily="18" charset="0"/>
-                <a:cs typeface="Times New Roman" panose="02020603050405020304" pitchFamily="18" charset="0"/>
-              </a:rPr>
-              <a:t>Главный Экран: Каталог Мебели у Вас под Рукой</a:t>
-            </a:r>
-            <a:r>
-              <a:rPr lang="ru-RU" b="1" dirty="0" smtClean="0"/>
-              <a:t/>
-            </a:r>
-            <a:br>
-              <a:rPr lang="ru-RU" b="1" dirty="0" smtClean="0"/>
-            </a:br>
-            <a:endParaRPr lang="ru-RU" dirty="0"/>
-          </a:p>
-        </p:txBody>
-      </p:sp>
-      <p:pic>
-        <p:nvPicPr>
-          <p:cNvPr id="2050" name="Picture 2" descr="https://cdn.gamma.app/hm0ogdqqzxe9fcd/f5d2eb8da6eb4496be0bd09daa0bfacb/original/image.png"/>
-          <p:cNvPicPr>
-            <a:picLocks noGrp="1" noChangeAspect="1" noChangeArrowheads="1"/>
-          </p:cNvPicPr>
+              <a:rPr lang="ru-RU" dirty="0">
+                <a:latin typeface="Times New Roman" panose="02020603050405020304" pitchFamily="18" charset="0"/>
+                <a:cs typeface="Times New Roman" panose="02020603050405020304" pitchFamily="18" charset="0"/>
+              </a:rPr>
+              <a:t>Экранная структура</a:t>
+            </a:r>
+            <a:endParaRPr lang="ru-RU" dirty="0">
+              <a:latin typeface="Times New Roman" panose="02020603050405020304" pitchFamily="18" charset="0"/>
+              <a:cs typeface="Times New Roman" panose="02020603050405020304" pitchFamily="18" charset="0"/>
+            </a:endParaRPr>
+          </a:p>
+        </p:txBody>
+      </p:sp>
+      <p:sp>
+        <p:nvSpPr>
+          <p:cNvPr id="3" name="Объект 2"/>
+          <p:cNvSpPr>
+            <a:spLocks noGrp="1"/>
+          </p:cNvSpPr>
           <p:nvPr>
             <p:ph sz="half" idx="1"/>
           </p:nvPr>
-        </p:nvPicPr>
-        <p:blipFill>
-          <a:blip r:embed="rId2" cstate="print">
-            <a:extLst>
-              <a:ext uri="{28A0092B-C50C-407E-A947-70E740481C1C}">
-                <a14:useLocalDpi xmlns:a14="http://schemas.microsoft.com/office/drawing/2010/main" val="0"/>
-              </a:ext>
-            </a:extLst>
-          </a:blip>
-          <a:stretch>
-            <a:fillRect/>
-          </a:stretch>
-        </p:blipFill>
-        <p:spPr bwMode="auto">
+        </p:nvSpPr>
+        <p:spPr>
           <a:xfrm>
-            <a:off x="2484479" y="1731963"/>
-            <a:ext cx="1919205" cy="4059237"/>
+            <a:off x="913795" y="1732449"/>
+            <a:ext cx="9269296" cy="4058750"/>
           </a:xfrm>
-          <a:prstGeom prst="rect">
-            <a:avLst/>
-          </a:prstGeom>
-          <a:noFill/>
-          <a:extLst>
-            <a:ext uri="{909E8E84-426E-40DD-AFC4-6F175D3DCCD1}">
-              <a14:hiddenFill xmlns:a14="http://schemas.microsoft.com/office/drawing/2010/main">
-                <a:solidFill>
-                  <a:srgbClr val="FFFFFF"/>
-                </a:solidFill>
-              </a14:hiddenFill>
-            </a:ext>
-          </a:extLst>
         </p:spPr>
-      </p:pic>
-      <p:sp>
-        <p:nvSpPr>
-          <p:cNvPr id="4" name="Объект 3"/>
-          <p:cNvSpPr>
-            <a:spLocks noGrp="1"/>
-          </p:cNvSpPr>
-          <p:nvPr>
-            <p:ph sz="half" idx="2"/>
-          </p:nvPr>
-        </p:nvSpPr>
-        <p:spPr/>
         <p:txBody>
           <a:bodyPr>
-            <a:normAutofit fontScale="92500" lnSpcReduction="20000"/>
+            <a:normAutofit/>
           </a:bodyPr>
           <a:lstStyle/>
           <a:p>
-            <a:pPr marL="0" indent="0">
+            <a:pPr marL="36900" indent="0">
               <a:buNone/>
             </a:pPr>
             <a:r>
-              <a:rPr lang="en-US" b="1" dirty="0" smtClean="0">
-                <a:latin typeface="Times New Roman" panose="02020603050405020304" pitchFamily="18" charset="0"/>
-                <a:cs typeface="Times New Roman" panose="02020603050405020304" pitchFamily="18" charset="0"/>
-              </a:rPr>
-              <a:t>1. </a:t>
-            </a:r>
-            <a:r>
-              <a:rPr lang="ru-RU" b="1" dirty="0" smtClean="0">
-                <a:latin typeface="Times New Roman" panose="02020603050405020304" pitchFamily="18" charset="0"/>
-                <a:cs typeface="Times New Roman" panose="02020603050405020304" pitchFamily="18" charset="0"/>
-              </a:rPr>
-              <a:t>Просмотр Каталога</a:t>
-            </a:r>
-          </a:p>
-          <a:p>
-            <a:pPr marL="0" indent="0">
-              <a:buNone/>
+              <a:rPr lang="ru-RU" dirty="0">
+                <a:latin typeface="Times New Roman" panose="02020603050405020304" pitchFamily="18" charset="0"/>
+                <a:cs typeface="Times New Roman" panose="02020603050405020304" pitchFamily="18" charset="0"/>
+              </a:rPr>
+              <a:t>Приложение состоит из следующих экранов:</a:t>
+            </a:r>
+          </a:p>
+          <a:p>
+            <a:pPr lvl="2">
+              <a:buFont typeface="Arial" panose="020B0604020202020204" pitchFamily="34" charset="0"/>
+              <a:buChar char="•"/>
             </a:pPr>
             <a:r>
-              <a:rPr lang="ru-RU" dirty="0" smtClean="0">
-                <a:latin typeface="Times New Roman" panose="02020603050405020304" pitchFamily="18" charset="0"/>
-                <a:cs typeface="Times New Roman" panose="02020603050405020304" pitchFamily="18" charset="0"/>
-              </a:rPr>
-              <a:t>Исследуйте широкий ассортимент мебели с высококачественными изображениями и подробными описаниями.</a:t>
-            </a:r>
-          </a:p>
-          <a:p>
-            <a:pPr marL="0" indent="0">
-              <a:buNone/>
+              <a:rPr lang="ru-RU" dirty="0">
+                <a:latin typeface="Times New Roman" panose="02020603050405020304" pitchFamily="18" charset="0"/>
+                <a:cs typeface="Times New Roman" panose="02020603050405020304" pitchFamily="18" charset="0"/>
+              </a:rPr>
+              <a:t>Экран авторизации</a:t>
+            </a:r>
+          </a:p>
+          <a:p>
+            <a:pPr lvl="2">
+              <a:buFont typeface="Arial" panose="020B0604020202020204" pitchFamily="34" charset="0"/>
+              <a:buChar char="•"/>
             </a:pPr>
             <a:r>
-              <a:rPr lang="en-US" b="1" dirty="0" smtClean="0">
-                <a:latin typeface="Times New Roman" panose="02020603050405020304" pitchFamily="18" charset="0"/>
-                <a:cs typeface="Times New Roman" panose="02020603050405020304" pitchFamily="18" charset="0"/>
-              </a:rPr>
-              <a:t>2. </a:t>
-            </a:r>
-            <a:r>
-              <a:rPr lang="ru-RU" b="1" dirty="0" smtClean="0">
-                <a:latin typeface="Times New Roman" panose="02020603050405020304" pitchFamily="18" charset="0"/>
-                <a:cs typeface="Times New Roman" panose="02020603050405020304" pitchFamily="18" charset="0"/>
-              </a:rPr>
-              <a:t>Поиск и Фильтрация</a:t>
-            </a:r>
-          </a:p>
-          <a:p>
-            <a:pPr marL="0" indent="0">
-              <a:buNone/>
+              <a:rPr lang="ru-RU" dirty="0">
+                <a:latin typeface="Times New Roman" panose="02020603050405020304" pitchFamily="18" charset="0"/>
+                <a:cs typeface="Times New Roman" panose="02020603050405020304" pitchFamily="18" charset="0"/>
+              </a:rPr>
+              <a:t>Главная страница с товарами</a:t>
+            </a:r>
+          </a:p>
+          <a:p>
+            <a:pPr lvl="2">
+              <a:buFont typeface="Arial" panose="020B0604020202020204" pitchFamily="34" charset="0"/>
+              <a:buChar char="•"/>
             </a:pPr>
             <a:r>
-              <a:rPr lang="ru-RU" dirty="0" smtClean="0">
-                <a:latin typeface="Times New Roman" panose="02020603050405020304" pitchFamily="18" charset="0"/>
-                <a:cs typeface="Times New Roman" panose="02020603050405020304" pitchFamily="18" charset="0"/>
-              </a:rPr>
-              <a:t>Легко находите нужные товары с помощью интеллектуального поиска и настраиваемых фильтров по цене, стилю, материалу и другим параметрам.</a:t>
-            </a:r>
-          </a:p>
-          <a:p>
-            <a:pPr marL="0" indent="0">
-              <a:buNone/>
+              <a:rPr lang="ru-RU" dirty="0">
+                <a:latin typeface="Times New Roman" panose="02020603050405020304" pitchFamily="18" charset="0"/>
+                <a:cs typeface="Times New Roman" panose="02020603050405020304" pitchFamily="18" charset="0"/>
+              </a:rPr>
+              <a:t>Страница товара</a:t>
+            </a:r>
+          </a:p>
+          <a:p>
+            <a:pPr lvl="2">
+              <a:buFont typeface="Arial" panose="020B0604020202020204" pitchFamily="34" charset="0"/>
+              <a:buChar char="•"/>
             </a:pPr>
             <a:r>
-              <a:rPr lang="en-US" b="1" dirty="0" smtClean="0">
-                <a:latin typeface="Times New Roman" panose="02020603050405020304" pitchFamily="18" charset="0"/>
-                <a:cs typeface="Times New Roman" panose="02020603050405020304" pitchFamily="18" charset="0"/>
-              </a:rPr>
-              <a:t>3. </a:t>
-            </a:r>
-            <a:r>
-              <a:rPr lang="ru-RU" b="1" dirty="0" smtClean="0">
-                <a:latin typeface="Times New Roman" panose="02020603050405020304" pitchFamily="18" charset="0"/>
-                <a:cs typeface="Times New Roman" panose="02020603050405020304" pitchFamily="18" charset="0"/>
-              </a:rPr>
-              <a:t>Избранное</a:t>
-            </a:r>
-          </a:p>
-          <a:p>
-            <a:pPr marL="0" indent="0">
-              <a:buNone/>
+              <a:rPr lang="ru-RU" dirty="0">
+                <a:latin typeface="Times New Roman" panose="02020603050405020304" pitchFamily="18" charset="0"/>
+                <a:cs typeface="Times New Roman" panose="02020603050405020304" pitchFamily="18" charset="0"/>
+              </a:rPr>
+              <a:t>Корзина</a:t>
+            </a:r>
+          </a:p>
+          <a:p>
+            <a:pPr lvl="2">
+              <a:buFont typeface="Arial" panose="020B0604020202020204" pitchFamily="34" charset="0"/>
+              <a:buChar char="•"/>
             </a:pPr>
             <a:r>
-              <a:rPr lang="ru-RU" dirty="0" smtClean="0">
-                <a:latin typeface="Times New Roman" panose="02020603050405020304" pitchFamily="18" charset="0"/>
-                <a:cs typeface="Times New Roman" panose="02020603050405020304" pitchFamily="18" charset="0"/>
-              </a:rPr>
-              <a:t>Добавляйте понравившиеся товары в "Избранное" для быстрого доступа и дальнейшего просмотра.</a:t>
-            </a:r>
-          </a:p>
-          <a:p>
+              <a:rPr lang="ru-RU" dirty="0">
+                <a:latin typeface="Times New Roman" panose="02020603050405020304" pitchFamily="18" charset="0"/>
+                <a:cs typeface="Times New Roman" panose="02020603050405020304" pitchFamily="18" charset="0"/>
+              </a:rPr>
+              <a:t>Оформление заказа</a:t>
+            </a:r>
+          </a:p>
+          <a:p>
+            <a:pPr lvl="2">
+              <a:buFont typeface="Arial" panose="020B0604020202020204" pitchFamily="34" charset="0"/>
+              <a:buChar char="•"/>
+            </a:pPr>
+            <a:r>
+              <a:rPr lang="ru-RU" dirty="0">
+                <a:latin typeface="Times New Roman" panose="02020603050405020304" pitchFamily="18" charset="0"/>
+                <a:cs typeface="Times New Roman" panose="02020603050405020304" pitchFamily="18" charset="0"/>
+              </a:rPr>
+              <a:t>Профиль пользователя</a:t>
+            </a:r>
+          </a:p>
+          <a:p>
+            <a:pPr lvl="2">
+              <a:buFont typeface="Arial" panose="020B0604020202020204" pitchFamily="34" charset="0"/>
+              <a:buChar char="•"/>
+            </a:pPr>
+            <a:r>
+              <a:rPr lang="ru-RU" dirty="0">
+                <a:latin typeface="Times New Roman" panose="02020603050405020304" pitchFamily="18" charset="0"/>
+                <a:cs typeface="Times New Roman" panose="02020603050405020304" pitchFamily="18" charset="0"/>
+              </a:rPr>
+              <a:t>Настройки (тема, пароль, данные)</a:t>
+            </a:r>
+          </a:p>
+          <a:p>
+            <a:pPr marL="36900" indent="0">
+              <a:buNone/>
+            </a:pPr>
             <a:endParaRPr lang="ru-RU" dirty="0"/>
           </a:p>
         </p:txBody>
@@ -7130,232 +7407,270 @@
         <p:spPr/>
         <p:txBody>
           <a:bodyPr>
-            <a:normAutofit fontScale="90000"/>
+            <a:normAutofit/>
           </a:bodyPr>
           <a:lstStyle/>
           <a:p>
             <a:r>
-              <a:rPr lang="ru-RU" sz="3600" dirty="0" smtClean="0">
-                <a:latin typeface="Times New Roman" panose="02020603050405020304" pitchFamily="18" charset="0"/>
-                <a:cs typeface="Times New Roman" panose="02020603050405020304" pitchFamily="18" charset="0"/>
-              </a:rPr>
-              <a:t>Удобная Корзина и Оформление Заказа</a:t>
-            </a:r>
-            <a:r>
-              <a:rPr lang="ru-RU" b="1" dirty="0" smtClean="0"/>
-              <a:t/>
-            </a:r>
-            <a:br>
-              <a:rPr lang="ru-RU" b="1" dirty="0" smtClean="0"/>
-            </a:br>
-            <a:endParaRPr lang="ru-RU" dirty="0"/>
-          </a:p>
-        </p:txBody>
-      </p:sp>
-      <p:pic>
-        <p:nvPicPr>
-          <p:cNvPr id="3074" name="Picture 2" descr="https://cdn.gamma.app/hm0ogdqqzxe9fcd/ef5fe2775c06486cb92e70bc085405de/original/image.png"/>
-          <p:cNvPicPr>
-            <a:picLocks noGrp="1" noChangeAspect="1" noChangeArrowheads="1"/>
-          </p:cNvPicPr>
+              <a:rPr lang="ru-RU" dirty="0">
+                <a:latin typeface="Times New Roman" panose="02020603050405020304" pitchFamily="18" charset="0"/>
+                <a:cs typeface="Times New Roman" panose="02020603050405020304" pitchFamily="18" charset="0"/>
+              </a:rPr>
+              <a:t>Стек технологий</a:t>
+            </a:r>
+            <a:endParaRPr lang="ru-RU" dirty="0">
+              <a:latin typeface="Times New Roman" panose="02020603050405020304" pitchFamily="18" charset="0"/>
+              <a:cs typeface="Times New Roman" panose="02020603050405020304" pitchFamily="18" charset="0"/>
+            </a:endParaRPr>
+          </a:p>
+        </p:txBody>
+      </p:sp>
+      <p:sp>
+        <p:nvSpPr>
+          <p:cNvPr id="3" name="Объект 2"/>
+          <p:cNvSpPr>
+            <a:spLocks noGrp="1"/>
+          </p:cNvSpPr>
           <p:nvPr>
             <p:ph sz="half" idx="1"/>
           </p:nvPr>
-        </p:nvPicPr>
-        <p:blipFill>
-          <a:blip r:embed="rId2" cstate="print">
-            <a:extLst>
-              <a:ext uri="{28A0092B-C50C-407E-A947-70E740481C1C}">
-                <a14:useLocalDpi xmlns:a14="http://schemas.microsoft.com/office/drawing/2010/main" val="0"/>
-              </a:ext>
-            </a:extLst>
-          </a:blip>
-          <a:srcRect/>
-          <a:stretch>
-            <a:fillRect/>
-          </a:stretch>
-        </p:blipFill>
-        <p:spPr bwMode="auto">
-          <a:xfrm>
-            <a:off x="470877" y="1644017"/>
-            <a:ext cx="2079376" cy="4398009"/>
-          </a:xfrm>
-          <a:prstGeom prst="rect">
-            <a:avLst/>
-          </a:prstGeom>
-          <a:noFill/>
-          <a:extLst>
-            <a:ext uri="{909E8E84-426E-40DD-AFC4-6F175D3DCCD1}">
-              <a14:hiddenFill xmlns:a14="http://schemas.microsoft.com/office/drawing/2010/main">
-                <a:solidFill>
-                  <a:srgbClr val="FFFFFF"/>
-                </a:solidFill>
-              </a14:hiddenFill>
-            </a:ext>
-          </a:extLst>
-        </p:spPr>
-      </p:pic>
-      <p:sp>
-        <p:nvSpPr>
-          <p:cNvPr id="4" name="Объект 3"/>
-          <p:cNvSpPr>
-            <a:spLocks noGrp="1"/>
-          </p:cNvSpPr>
-          <p:nvPr>
-            <p:ph sz="half" idx="2"/>
-          </p:nvPr>
-        </p:nvSpPr>
-        <p:spPr/>
-        <p:txBody>
-          <a:bodyPr>
-            <a:normAutofit fontScale="92500" lnSpcReduction="20000"/>
-          </a:bodyPr>
-          <a:lstStyle/>
-          <a:p>
-            <a:r>
-              <a:rPr lang="ru-RU" b="1" dirty="0" smtClean="0">
-                <a:latin typeface="Times New Roman" panose="02020603050405020304" pitchFamily="18" charset="0"/>
-                <a:cs typeface="Times New Roman" panose="02020603050405020304" pitchFamily="18" charset="0"/>
-              </a:rPr>
-              <a:t>Просмотр Товаров</a:t>
-            </a:r>
-            <a:r>
-              <a:rPr lang="ru-RU" dirty="0" smtClean="0">
-                <a:latin typeface="Times New Roman" panose="02020603050405020304" pitchFamily="18" charset="0"/>
-                <a:cs typeface="Times New Roman" panose="02020603050405020304" pitchFamily="18" charset="0"/>
-              </a:rPr>
-              <a:t/>
-            </a:r>
-            <a:br>
-              <a:rPr lang="ru-RU" dirty="0" smtClean="0">
-                <a:latin typeface="Times New Roman" panose="02020603050405020304" pitchFamily="18" charset="0"/>
-                <a:cs typeface="Times New Roman" panose="02020603050405020304" pitchFamily="18" charset="0"/>
-              </a:rPr>
-            </a:br>
-            <a:r>
-              <a:rPr lang="ru-RU" dirty="0" smtClean="0">
-                <a:latin typeface="Times New Roman" panose="02020603050405020304" pitchFamily="18" charset="0"/>
-                <a:cs typeface="Times New Roman" panose="02020603050405020304" pitchFamily="18" charset="0"/>
-              </a:rPr>
-              <a:t>Полный обзор всех добавленных в корзину позиций с возможностью редактирования количества.</a:t>
-            </a:r>
-          </a:p>
-          <a:p>
-            <a:r>
-              <a:rPr lang="ru-RU" b="1" dirty="0" smtClean="0">
-                <a:latin typeface="Times New Roman" panose="02020603050405020304" pitchFamily="18" charset="0"/>
-                <a:cs typeface="Times New Roman" panose="02020603050405020304" pitchFamily="18" charset="0"/>
-              </a:rPr>
-              <a:t>Выбор Оплаты</a:t>
-            </a:r>
-            <a:r>
-              <a:rPr lang="ru-RU" dirty="0" smtClean="0">
-                <a:latin typeface="Times New Roman" panose="02020603050405020304" pitchFamily="18" charset="0"/>
-                <a:cs typeface="Times New Roman" panose="02020603050405020304" pitchFamily="18" charset="0"/>
-              </a:rPr>
-              <a:t/>
-            </a:r>
-            <a:br>
-              <a:rPr lang="ru-RU" dirty="0" smtClean="0">
-                <a:latin typeface="Times New Roman" panose="02020603050405020304" pitchFamily="18" charset="0"/>
-                <a:cs typeface="Times New Roman" panose="02020603050405020304" pitchFamily="18" charset="0"/>
-              </a:rPr>
-            </a:br>
-            <a:r>
-              <a:rPr lang="ru-RU" dirty="0" smtClean="0">
-                <a:latin typeface="Times New Roman" panose="02020603050405020304" pitchFamily="18" charset="0"/>
-                <a:cs typeface="Times New Roman" panose="02020603050405020304" pitchFamily="18" charset="0"/>
-              </a:rPr>
-              <a:t>Предлагаем различные безопасные способы оплаты для вашего удобства.</a:t>
-            </a:r>
-          </a:p>
-          <a:p>
-            <a:r>
-              <a:rPr lang="ru-RU" b="1" dirty="0" smtClean="0">
-                <a:latin typeface="Times New Roman" panose="02020603050405020304" pitchFamily="18" charset="0"/>
-                <a:cs typeface="Times New Roman" panose="02020603050405020304" pitchFamily="18" charset="0"/>
-              </a:rPr>
-              <a:t>Адрес Доставки</a:t>
-            </a:r>
-            <a:r>
-              <a:rPr lang="ru-RU" dirty="0" smtClean="0">
-                <a:latin typeface="Times New Roman" panose="02020603050405020304" pitchFamily="18" charset="0"/>
-                <a:cs typeface="Times New Roman" panose="02020603050405020304" pitchFamily="18" charset="0"/>
-              </a:rPr>
-              <a:t/>
-            </a:r>
-            <a:br>
-              <a:rPr lang="ru-RU" dirty="0" smtClean="0">
-                <a:latin typeface="Times New Roman" panose="02020603050405020304" pitchFamily="18" charset="0"/>
-                <a:cs typeface="Times New Roman" panose="02020603050405020304" pitchFamily="18" charset="0"/>
-              </a:rPr>
-            </a:br>
-            <a:r>
-              <a:rPr lang="ru-RU" dirty="0" smtClean="0">
-                <a:latin typeface="Times New Roman" panose="02020603050405020304" pitchFamily="18" charset="0"/>
-                <a:cs typeface="Times New Roman" panose="02020603050405020304" pitchFamily="18" charset="0"/>
-              </a:rPr>
-              <a:t>Точное указание адреса доставки для своевременного получения вашего заказа.</a:t>
-            </a:r>
-          </a:p>
-          <a:p>
-            <a:r>
-              <a:rPr lang="ru-RU" b="1" dirty="0" smtClean="0">
-                <a:latin typeface="Times New Roman" panose="02020603050405020304" pitchFamily="18" charset="0"/>
-                <a:cs typeface="Times New Roman" panose="02020603050405020304" pitchFamily="18" charset="0"/>
-              </a:rPr>
-              <a:t>Подтверждение Заказа</a:t>
-            </a:r>
-            <a:r>
-              <a:rPr lang="ru-RU" dirty="0" smtClean="0">
-                <a:latin typeface="Times New Roman" panose="02020603050405020304" pitchFamily="18" charset="0"/>
-                <a:cs typeface="Times New Roman" panose="02020603050405020304" pitchFamily="18" charset="0"/>
-              </a:rPr>
-              <a:t/>
-            </a:r>
-            <a:br>
-              <a:rPr lang="ru-RU" dirty="0" smtClean="0">
-                <a:latin typeface="Times New Roman" panose="02020603050405020304" pitchFamily="18" charset="0"/>
-                <a:cs typeface="Times New Roman" panose="02020603050405020304" pitchFamily="18" charset="0"/>
-              </a:rPr>
-            </a:br>
-            <a:r>
-              <a:rPr lang="ru-RU" dirty="0" smtClean="0">
-                <a:latin typeface="Times New Roman" panose="02020603050405020304" pitchFamily="18" charset="0"/>
-                <a:cs typeface="Times New Roman" panose="02020603050405020304" pitchFamily="18" charset="0"/>
-              </a:rPr>
-              <a:t>Простое и интуитивно понятное завершение покупки с мгновенным подтверждением.</a:t>
-            </a:r>
-          </a:p>
-          <a:p>
-            <a:endParaRPr lang="ru-RU" dirty="0"/>
-          </a:p>
-        </p:txBody>
-      </p:sp>
-      <p:pic>
-        <p:nvPicPr>
-          <p:cNvPr id="5" name="Рисунок 4"/>
-          <p:cNvPicPr>
-            <a:picLocks noChangeAspect="1"/>
-          </p:cNvPicPr>
-          <p:nvPr/>
-        </p:nvPicPr>
-        <p:blipFill>
-          <a:blip r:embed="rId3"/>
-          <a:stretch>
-            <a:fillRect/>
-          </a:stretch>
-        </p:blipFill>
+        </p:nvSpPr>
         <p:spPr>
           <a:xfrm>
-            <a:off x="3445768" y="1644017"/>
-            <a:ext cx="2078746" cy="4398009"/>
+            <a:off x="913795" y="1732449"/>
+            <a:ext cx="10848714" cy="4058750"/>
           </a:xfrm>
-          <a:prstGeom prst="rect">
-            <a:avLst/>
-          </a:prstGeom>
         </p:spPr>
-      </p:pic>
+        <p:txBody>
+          <a:bodyPr>
+            <a:normAutofit/>
+          </a:bodyPr>
+          <a:lstStyle/>
+          <a:p>
+            <a:pPr marL="36900" indent="0">
+              <a:buNone/>
+            </a:pPr>
+            <a:r>
+              <a:rPr lang="ru-RU" dirty="0"/>
+              <a:t>Для разработки приложения использовались следующие технологии:</a:t>
+            </a:r>
+          </a:p>
+          <a:p>
+            <a:pPr lvl="2">
+              <a:buFont typeface="Arial" panose="020B0604020202020204" pitchFamily="34" charset="0"/>
+              <a:buChar char="•"/>
+            </a:pPr>
+            <a:r>
+              <a:rPr lang="ru-RU" b="1" dirty="0">
+                <a:latin typeface="Times New Roman" panose="02020603050405020304" pitchFamily="18" charset="0"/>
+                <a:cs typeface="Times New Roman" panose="02020603050405020304" pitchFamily="18" charset="0"/>
+              </a:rPr>
+              <a:t>Язык программирования:</a:t>
+            </a:r>
+            <a:r>
+              <a:rPr lang="ru-RU" dirty="0">
+                <a:latin typeface="Times New Roman" panose="02020603050405020304" pitchFamily="18" charset="0"/>
+                <a:cs typeface="Times New Roman" panose="02020603050405020304" pitchFamily="18" charset="0"/>
+              </a:rPr>
+              <a:t> </a:t>
+            </a:r>
+            <a:r>
+              <a:rPr lang="en-US" dirty="0" err="1">
+                <a:latin typeface="Times New Roman" panose="02020603050405020304" pitchFamily="18" charset="0"/>
+                <a:cs typeface="Times New Roman" panose="02020603050405020304" pitchFamily="18" charset="0"/>
+              </a:rPr>
+              <a:t>Kotlin</a:t>
+            </a:r>
+            <a:endParaRPr lang="en-US" dirty="0">
+              <a:latin typeface="Times New Roman" panose="02020603050405020304" pitchFamily="18" charset="0"/>
+              <a:cs typeface="Times New Roman" panose="02020603050405020304" pitchFamily="18" charset="0"/>
+            </a:endParaRPr>
+          </a:p>
+          <a:p>
+            <a:pPr lvl="2">
+              <a:buFont typeface="Arial" panose="020B0604020202020204" pitchFamily="34" charset="0"/>
+              <a:buChar char="•"/>
+            </a:pPr>
+            <a:r>
+              <a:rPr lang="ru-RU" b="1" dirty="0">
+                <a:latin typeface="Times New Roman" panose="02020603050405020304" pitchFamily="18" charset="0"/>
+                <a:cs typeface="Times New Roman" panose="02020603050405020304" pitchFamily="18" charset="0"/>
+              </a:rPr>
+              <a:t>Среда разработки:</a:t>
+            </a:r>
+            <a:r>
+              <a:rPr lang="ru-RU" dirty="0">
+                <a:latin typeface="Times New Roman" panose="02020603050405020304" pitchFamily="18" charset="0"/>
+                <a:cs typeface="Times New Roman" panose="02020603050405020304" pitchFamily="18" charset="0"/>
+              </a:rPr>
+              <a:t> </a:t>
+            </a:r>
+            <a:r>
+              <a:rPr lang="en-US" dirty="0">
+                <a:latin typeface="Times New Roman" panose="02020603050405020304" pitchFamily="18" charset="0"/>
+                <a:cs typeface="Times New Roman" panose="02020603050405020304" pitchFamily="18" charset="0"/>
+              </a:rPr>
+              <a:t>Android Studio</a:t>
+            </a:r>
+          </a:p>
+          <a:p>
+            <a:pPr lvl="2">
+              <a:buFont typeface="Arial" panose="020B0604020202020204" pitchFamily="34" charset="0"/>
+              <a:buChar char="•"/>
+            </a:pPr>
+            <a:r>
+              <a:rPr lang="ru-RU" b="1" dirty="0">
+                <a:latin typeface="Times New Roman" panose="02020603050405020304" pitchFamily="18" charset="0"/>
+                <a:cs typeface="Times New Roman" panose="02020603050405020304" pitchFamily="18" charset="0"/>
+              </a:rPr>
+              <a:t>Минимальная версия </a:t>
+            </a:r>
+            <a:r>
+              <a:rPr lang="en-US" b="1" dirty="0">
+                <a:latin typeface="Times New Roman" panose="02020603050405020304" pitchFamily="18" charset="0"/>
+                <a:cs typeface="Times New Roman" panose="02020603050405020304" pitchFamily="18" charset="0"/>
+              </a:rPr>
+              <a:t>Android:</a:t>
+            </a:r>
+            <a:r>
+              <a:rPr lang="en-US" dirty="0">
+                <a:latin typeface="Times New Roman" panose="02020603050405020304" pitchFamily="18" charset="0"/>
+                <a:cs typeface="Times New Roman" panose="02020603050405020304" pitchFamily="18" charset="0"/>
+              </a:rPr>
+              <a:t> 12</a:t>
+            </a:r>
+          </a:p>
+          <a:p>
+            <a:pPr lvl="2">
+              <a:buFont typeface="Arial" panose="020B0604020202020204" pitchFamily="34" charset="0"/>
+              <a:buChar char="•"/>
+            </a:pPr>
+            <a:r>
+              <a:rPr lang="ru-RU" b="1" dirty="0">
+                <a:latin typeface="Times New Roman" panose="02020603050405020304" pitchFamily="18" charset="0"/>
+                <a:cs typeface="Times New Roman" panose="02020603050405020304" pitchFamily="18" charset="0"/>
+              </a:rPr>
+              <a:t>Хранение данных:</a:t>
+            </a:r>
+            <a:endParaRPr lang="ru-RU" dirty="0">
+              <a:latin typeface="Times New Roman" panose="02020603050405020304" pitchFamily="18" charset="0"/>
+              <a:cs typeface="Times New Roman" panose="02020603050405020304" pitchFamily="18" charset="0"/>
+            </a:endParaRPr>
+          </a:p>
+          <a:p>
+            <a:pPr lvl="3">
+              <a:buFont typeface="Arial" panose="020B0604020202020204" pitchFamily="34" charset="0"/>
+              <a:buChar char="•"/>
+            </a:pPr>
+            <a:r>
+              <a:rPr lang="en-US" dirty="0">
+                <a:latin typeface="Times New Roman" panose="02020603050405020304" pitchFamily="18" charset="0"/>
+                <a:cs typeface="Times New Roman" panose="02020603050405020304" pitchFamily="18" charset="0"/>
+              </a:rPr>
+              <a:t>Firebase / SQLite / </a:t>
+            </a:r>
+            <a:r>
+              <a:rPr lang="en-US" dirty="0" err="1">
+                <a:latin typeface="Times New Roman" panose="02020603050405020304" pitchFamily="18" charset="0"/>
+                <a:cs typeface="Times New Roman" panose="02020603050405020304" pitchFamily="18" charset="0"/>
+              </a:rPr>
+              <a:t>SharedPreferences</a:t>
+            </a:r>
+            <a:r>
+              <a:rPr lang="en-US" dirty="0">
+                <a:latin typeface="Times New Roman" panose="02020603050405020304" pitchFamily="18" charset="0"/>
+                <a:cs typeface="Times New Roman" panose="02020603050405020304" pitchFamily="18" charset="0"/>
+              </a:rPr>
+              <a:t> </a:t>
+            </a:r>
+            <a:r>
+              <a:rPr lang="en-US" i="1" dirty="0">
+                <a:latin typeface="Times New Roman" panose="02020603050405020304" pitchFamily="18" charset="0"/>
+                <a:cs typeface="Times New Roman" panose="02020603050405020304" pitchFamily="18" charset="0"/>
+              </a:rPr>
+              <a:t>(</a:t>
+            </a:r>
+            <a:r>
+              <a:rPr lang="ru-RU" i="1" dirty="0">
+                <a:latin typeface="Times New Roman" panose="02020603050405020304" pitchFamily="18" charset="0"/>
+                <a:cs typeface="Times New Roman" panose="02020603050405020304" pitchFamily="18" charset="0"/>
+              </a:rPr>
+              <a:t>можешь выбрать нужное)</a:t>
+            </a:r>
+            <a:endParaRPr lang="ru-RU" dirty="0">
+              <a:latin typeface="Times New Roman" panose="02020603050405020304" pitchFamily="18" charset="0"/>
+              <a:cs typeface="Times New Roman" panose="02020603050405020304" pitchFamily="18" charset="0"/>
+            </a:endParaRPr>
+          </a:p>
+          <a:p>
+            <a:pPr lvl="2">
+              <a:buFont typeface="Arial" panose="020B0604020202020204" pitchFamily="34" charset="0"/>
+              <a:buChar char="•"/>
+            </a:pPr>
+            <a:r>
+              <a:rPr lang="ru-RU" b="1" dirty="0">
+                <a:latin typeface="Times New Roman" panose="02020603050405020304" pitchFamily="18" charset="0"/>
+                <a:cs typeface="Times New Roman" panose="02020603050405020304" pitchFamily="18" charset="0"/>
+              </a:rPr>
+              <a:t>Авторизация:</a:t>
+            </a:r>
+            <a:r>
+              <a:rPr lang="ru-RU" dirty="0">
+                <a:latin typeface="Times New Roman" panose="02020603050405020304" pitchFamily="18" charset="0"/>
+                <a:cs typeface="Times New Roman" panose="02020603050405020304" pitchFamily="18" charset="0"/>
+              </a:rPr>
+              <a:t> </a:t>
+            </a:r>
+            <a:r>
+              <a:rPr lang="en-US" dirty="0">
+                <a:latin typeface="Times New Roman" panose="02020603050405020304" pitchFamily="18" charset="0"/>
+                <a:cs typeface="Times New Roman" panose="02020603050405020304" pitchFamily="18" charset="0"/>
+              </a:rPr>
+              <a:t>Email </a:t>
+            </a:r>
+            <a:r>
+              <a:rPr lang="ru-RU" dirty="0">
+                <a:latin typeface="Times New Roman" panose="02020603050405020304" pitchFamily="18" charset="0"/>
+                <a:cs typeface="Times New Roman" panose="02020603050405020304" pitchFamily="18" charset="0"/>
+              </a:rPr>
+              <a:t>и пароль</a:t>
+            </a:r>
+          </a:p>
+          <a:p>
+            <a:pPr lvl="2">
+              <a:buFont typeface="Arial" panose="020B0604020202020204" pitchFamily="34" charset="0"/>
+              <a:buChar char="•"/>
+            </a:pPr>
+            <a:r>
+              <a:rPr lang="ru-RU" b="1" dirty="0">
+                <a:latin typeface="Times New Roman" panose="02020603050405020304" pitchFamily="18" charset="0"/>
+                <a:cs typeface="Times New Roman" panose="02020603050405020304" pitchFamily="18" charset="0"/>
+              </a:rPr>
+              <a:t>Дизайн интерфейса:</a:t>
+            </a:r>
+            <a:r>
+              <a:rPr lang="ru-RU" dirty="0">
+                <a:latin typeface="Times New Roman" panose="02020603050405020304" pitchFamily="18" charset="0"/>
+                <a:cs typeface="Times New Roman" panose="02020603050405020304" pitchFamily="18" charset="0"/>
+              </a:rPr>
+              <a:t> </a:t>
+            </a:r>
+            <a:r>
+              <a:rPr lang="en-US" dirty="0">
+                <a:latin typeface="Times New Roman" panose="02020603050405020304" pitchFamily="18" charset="0"/>
+                <a:cs typeface="Times New Roman" panose="02020603050405020304" pitchFamily="18" charset="0"/>
+              </a:rPr>
+              <a:t>Material Design</a:t>
+            </a:r>
+          </a:p>
+          <a:p>
+            <a:pPr marL="36900" indent="0">
+              <a:buNone/>
+            </a:pPr>
+            <a:endParaRPr lang="ru-RU" dirty="0"/>
+          </a:p>
+        </p:txBody>
+      </p:sp>
     </p:spTree>
     <p:extLst>
       <p:ext uri="{BB962C8B-B14F-4D97-AF65-F5344CB8AC3E}">
@@ -7406,71 +7721,24 @@
         <p:spPr/>
         <p:txBody>
           <a:bodyPr>
-            <a:normAutofit fontScale="90000"/>
+            <a:normAutofit/>
           </a:bodyPr>
           <a:lstStyle/>
           <a:p>
             <a:r>
-              <a:rPr lang="ru-RU" sz="3600" dirty="0" smtClean="0">
-                <a:latin typeface="Times New Roman" panose="02020603050405020304" pitchFamily="18" charset="0"/>
-                <a:cs typeface="Times New Roman" panose="02020603050405020304" pitchFamily="18" charset="0"/>
-              </a:rPr>
-              <a:t>Ваш Профиль: Персонализация и Управление</a:t>
-            </a:r>
-            <a:r>
-              <a:rPr lang="ru-RU" b="1" dirty="0" smtClean="0"/>
-              <a:t/>
-            </a:r>
-            <a:br>
-              <a:rPr lang="ru-RU" b="1" dirty="0" smtClean="0"/>
-            </a:br>
-            <a:endParaRPr lang="ru-RU" dirty="0"/>
-          </a:p>
-        </p:txBody>
-      </p:sp>
-      <p:pic>
-        <p:nvPicPr>
-          <p:cNvPr id="5122" name="Picture 2" descr="https://cdn.gamma.app/hm0ogdqqzxe9fcd/761748c741cb469cafa1ccca1da3648b/original/image.png"/>
-          <p:cNvPicPr>
-            <a:picLocks noGrp="1" noChangeAspect="1" noChangeArrowheads="1"/>
-          </p:cNvPicPr>
-          <p:nvPr>
-            <p:ph idx="1"/>
-          </p:nvPr>
-        </p:nvPicPr>
-        <p:blipFill>
-          <a:blip r:embed="rId2" cstate="print">
-            <a:extLst>
-              <a:ext uri="{28A0092B-C50C-407E-A947-70E740481C1C}">
-                <a14:useLocalDpi xmlns:a14="http://schemas.microsoft.com/office/drawing/2010/main" val="0"/>
-              </a:ext>
-            </a:extLst>
-          </a:blip>
-          <a:srcRect/>
-          <a:stretch>
-            <a:fillRect/>
-          </a:stretch>
-        </p:blipFill>
-        <p:spPr bwMode="auto">
-          <a:xfrm>
-            <a:off x="1066642" y="1370806"/>
-            <a:ext cx="1702078" cy="3600000"/>
-          </a:xfrm>
-          <a:prstGeom prst="rect">
-            <a:avLst/>
-          </a:prstGeom>
-          <a:noFill/>
-          <a:extLst>
-            <a:ext uri="{909E8E84-426E-40DD-AFC4-6F175D3DCCD1}">
-              <a14:hiddenFill xmlns:a14="http://schemas.microsoft.com/office/drawing/2010/main">
-                <a:solidFill>
-                  <a:srgbClr val="FFFFFF"/>
-                </a:solidFill>
-              </a14:hiddenFill>
-            </a:ext>
-          </a:extLst>
-        </p:spPr>
-      </p:pic>
+              <a:rPr lang="ru-RU" dirty="0">
+                <a:latin typeface="Times New Roman" panose="02020603050405020304" pitchFamily="18" charset="0"/>
+                <a:cs typeface="Times New Roman" panose="02020603050405020304" pitchFamily="18" charset="0"/>
+              </a:rPr>
+              <a:t>Безопасность и авторизация</a:t>
+            </a:r>
+            <a:endParaRPr lang="ru-RU" dirty="0">
+              <a:latin typeface="Times New Roman" panose="02020603050405020304" pitchFamily="18" charset="0"/>
+              <a:cs typeface="Times New Roman" panose="02020603050405020304" pitchFamily="18" charset="0"/>
+            </a:endParaRPr>
+          </a:p>
+        </p:txBody>
+      </p:sp>
       <p:pic>
         <p:nvPicPr>
           <p:cNvPr id="5128" name="Picture 8" descr="https://cdn.gamma.app/hm0ogdqqzxe9fcd/83b53dca229a432281fb62d4c81ecfe6/original/image.png"/>
@@ -7480,7 +7748,7 @@
           <p:nvPr/>
         </p:nvPicPr>
         <p:blipFill>
-          <a:blip r:embed="rId3" cstate="print">
+          <a:blip r:embed="rId2" cstate="print">
             <a:extLst>
               <a:ext uri="{28A0092B-C50C-407E-A947-70E740481C1C}">
                 <a14:useLocalDpi xmlns:a14="http://schemas.microsoft.com/office/drawing/2010/main" val="0"/>
@@ -7514,30 +7782,6 @@
       </p:pic>
       <p:pic>
         <p:nvPicPr>
-          <p:cNvPr id="4" name="Рисунок 3"/>
-          <p:cNvPicPr>
-            <a:picLocks noChangeAspect="1"/>
-          </p:cNvPicPr>
-          <p:nvPr/>
-        </p:nvPicPr>
-        <p:blipFill>
-          <a:blip r:embed="rId4"/>
-          <a:stretch>
-            <a:fillRect/>
-          </a:stretch>
-        </p:blipFill>
-        <p:spPr>
-          <a:xfrm>
-            <a:off x="8214454" y="1370806"/>
-            <a:ext cx="1701562" cy="3600000"/>
-          </a:xfrm>
-          <a:prstGeom prst="rect">
-            <a:avLst/>
-          </a:prstGeom>
-        </p:spPr>
-      </p:pic>
-      <p:pic>
-        <p:nvPicPr>
           <p:cNvPr id="5" name="Рисунок 4"/>
           <p:cNvPicPr>
             <a:picLocks noChangeAspect="1"/>
@@ -7545,7 +7789,7 @@
           <p:nvPr/>
         </p:nvPicPr>
         <p:blipFill>
-          <a:blip r:embed="rId5"/>
+          <a:blip r:embed="rId3"/>
           <a:stretch>
             <a:fillRect/>
           </a:stretch>
@@ -7560,162 +7804,106 @@
           </a:prstGeom>
         </p:spPr>
       </p:pic>
-      <p:pic>
-        <p:nvPicPr>
-          <p:cNvPr id="6" name="Рисунок 5"/>
-          <p:cNvPicPr>
-            <a:picLocks noChangeAspect="1"/>
-          </p:cNvPicPr>
-          <p:nvPr/>
-        </p:nvPicPr>
-        <p:blipFill>
-          <a:blip r:embed="rId6"/>
-          <a:stretch>
-            <a:fillRect/>
-          </a:stretch>
-        </p:blipFill>
-        <p:spPr>
-          <a:xfrm>
-            <a:off x="4640807" y="1370806"/>
-            <a:ext cx="1701560" cy="3600000"/>
-          </a:xfrm>
-          <a:prstGeom prst="rect">
-            <a:avLst/>
-          </a:prstGeom>
-        </p:spPr>
-      </p:pic>
-      <p:sp>
-        <p:nvSpPr>
-          <p:cNvPr id="12" name="TextBox 11"/>
-          <p:cNvSpPr txBox="1"/>
-          <p:nvPr/>
-        </p:nvSpPr>
-        <p:spPr>
-          <a:xfrm>
-            <a:off x="514561" y="5027956"/>
-            <a:ext cx="3400425" cy="1477328"/>
-          </a:xfrm>
-          <a:prstGeom prst="rect">
-            <a:avLst/>
-          </a:prstGeom>
-          <a:noFill/>
-        </p:spPr>
-        <p:txBody>
-          <a:bodyPr wrap="square" rtlCol="0">
-            <a:spAutoFit/>
+      <p:sp>
+        <p:nvSpPr>
+          <p:cNvPr id="3" name="Объект 2"/>
+          <p:cNvSpPr>
+            <a:spLocks noGrp="1"/>
+          </p:cNvSpPr>
+          <p:nvPr>
+            <p:ph idx="1"/>
+          </p:nvPr>
+        </p:nvSpPr>
+        <p:spPr/>
+        <p:txBody>
+          <a:bodyPr>
+            <a:normAutofit/>
           </a:bodyPr>
           <a:lstStyle/>
           <a:p>
-            <a:r>
-              <a:rPr lang="ru-RU" b="1" dirty="0" smtClean="0">
-                <a:latin typeface="Times New Roman" panose="02020603050405020304" pitchFamily="18" charset="0"/>
-                <a:cs typeface="Times New Roman" panose="02020603050405020304" pitchFamily="18" charset="0"/>
-              </a:rPr>
-              <a:t>Изменение Персональных Данных</a:t>
-            </a:r>
-          </a:p>
-          <a:p>
+            <a:pPr>
+              <a:buFont typeface="Arial" panose="020B0604020202020204" pitchFamily="34" charset="0"/>
+              <a:buChar char="•"/>
+            </a:pPr>
+            <a:r>
+              <a:rPr lang="ru-RU" dirty="0">
+                <a:latin typeface="Times New Roman" panose="02020603050405020304" pitchFamily="18" charset="0"/>
+                <a:cs typeface="Times New Roman" panose="02020603050405020304" pitchFamily="18" charset="0"/>
+              </a:rPr>
+              <a:t>Регистрация и вход по логину и </a:t>
+            </a:r>
             <a:r>
               <a:rPr lang="ru-RU" dirty="0" smtClean="0">
                 <a:latin typeface="Times New Roman" panose="02020603050405020304" pitchFamily="18" charset="0"/>
                 <a:cs typeface="Times New Roman" panose="02020603050405020304" pitchFamily="18" charset="0"/>
               </a:rPr>
-              <a:t>Обновляйте вашу информацию, такую как имя, фамилия и контактные данные.</a:t>
-            </a:r>
-            <a:endParaRPr lang="ru-RU" dirty="0">
+              <a:t>паролю</a:t>
+            </a:r>
+            <a:endParaRPr lang="en-US" dirty="0" smtClean="0">
               <a:latin typeface="Times New Roman" panose="02020603050405020304" pitchFamily="18" charset="0"/>
               <a:cs typeface="Times New Roman" panose="02020603050405020304" pitchFamily="18" charset="0"/>
             </a:endParaRPr>
           </a:p>
-        </p:txBody>
-      </p:sp>
-      <p:sp>
-        <p:nvSpPr>
-          <p:cNvPr id="8" name="TextBox 7"/>
-          <p:cNvSpPr txBox="1"/>
-          <p:nvPr/>
-        </p:nvSpPr>
-        <p:spPr>
-          <a:xfrm>
-            <a:off x="4419705" y="4998137"/>
-            <a:ext cx="3057525" cy="1200329"/>
-          </a:xfrm>
-          <a:prstGeom prst="rect">
-            <a:avLst/>
-          </a:prstGeom>
-          <a:noFill/>
-        </p:spPr>
-        <p:txBody>
-          <a:bodyPr wrap="square" rtlCol="0">
-            <a:spAutoFit/>
-          </a:bodyPr>
-          <a:lstStyle/>
-          <a:p>
-            <a:r>
-              <a:rPr lang="ru-RU" b="1" dirty="0" smtClean="0">
-                <a:latin typeface="Times New Roman" panose="02020603050405020304" pitchFamily="18" charset="0"/>
-                <a:cs typeface="Times New Roman" panose="02020603050405020304" pitchFamily="18" charset="0"/>
-              </a:rPr>
-              <a:t>Смена Пароля</a:t>
-            </a:r>
-          </a:p>
-          <a:p>
+          <a:p>
+            <a:pPr>
+              <a:buFont typeface="Arial" panose="020B0604020202020204" pitchFamily="34" charset="0"/>
+              <a:buChar char="•"/>
+            </a:pPr>
+            <a:r>
+              <a:rPr lang="ru-RU" dirty="0">
+                <a:latin typeface="Times New Roman" panose="02020603050405020304" pitchFamily="18" charset="0"/>
+                <a:cs typeface="Times New Roman" panose="02020603050405020304" pitchFamily="18" charset="0"/>
+              </a:rPr>
+              <a:t>Хранение данных пользователя в защищённом </a:t>
+            </a:r>
             <a:r>
               <a:rPr lang="ru-RU" dirty="0" smtClean="0">
                 <a:latin typeface="Times New Roman" panose="02020603050405020304" pitchFamily="18" charset="0"/>
                 <a:cs typeface="Times New Roman" panose="02020603050405020304" pitchFamily="18" charset="0"/>
               </a:rPr>
-              <a:t>Обеспечьте безопасность вашего аккаунта, регулярно обновляя пароль.</a:t>
-            </a:r>
-            <a:endParaRPr lang="ru-RU" dirty="0">
+              <a:t>виде</a:t>
+            </a:r>
+            <a:endParaRPr lang="en-US" dirty="0" smtClean="0">
               <a:latin typeface="Times New Roman" panose="02020603050405020304" pitchFamily="18" charset="0"/>
               <a:cs typeface="Times New Roman" panose="02020603050405020304" pitchFamily="18" charset="0"/>
             </a:endParaRPr>
           </a:p>
-        </p:txBody>
-      </p:sp>
-      <p:sp>
-        <p:nvSpPr>
-          <p:cNvPr id="9" name="TextBox 8"/>
-          <p:cNvSpPr txBox="1"/>
-          <p:nvPr/>
-        </p:nvSpPr>
-        <p:spPr>
-          <a:xfrm>
-            <a:off x="7981950" y="5027956"/>
-            <a:ext cx="3009900" cy="1477328"/>
-          </a:xfrm>
-          <a:prstGeom prst="rect">
-            <a:avLst/>
-          </a:prstGeom>
-          <a:noFill/>
-        </p:spPr>
-        <p:txBody>
-          <a:bodyPr wrap="square" rtlCol="0">
-            <a:spAutoFit/>
-          </a:bodyPr>
-          <a:lstStyle/>
-          <a:p>
-            <a:r>
-              <a:rPr lang="ru-RU" b="1" dirty="0" smtClean="0">
-                <a:latin typeface="Times New Roman" panose="02020603050405020304" pitchFamily="18" charset="0"/>
-                <a:cs typeface="Times New Roman" panose="02020603050405020304" pitchFamily="18" charset="0"/>
-              </a:rPr>
-              <a:t>Просмотр Избранных Товаров</a:t>
-            </a:r>
-          </a:p>
-          <a:p>
+          <a:p>
+            <a:pPr>
+              <a:buFont typeface="Arial" panose="020B0604020202020204" pitchFamily="34" charset="0"/>
+              <a:buChar char="•"/>
+            </a:pPr>
+            <a:r>
+              <a:rPr lang="ru-RU" dirty="0">
+                <a:latin typeface="Times New Roman" panose="02020603050405020304" pitchFamily="18" charset="0"/>
+                <a:cs typeface="Times New Roman" panose="02020603050405020304" pitchFamily="18" charset="0"/>
+              </a:rPr>
+              <a:t>Возможность смены пароля в </a:t>
+            </a:r>
             <a:r>
               <a:rPr lang="ru-RU" dirty="0" smtClean="0">
                 <a:latin typeface="Times New Roman" panose="02020603050405020304" pitchFamily="18" charset="0"/>
                 <a:cs typeface="Times New Roman" panose="02020603050405020304" pitchFamily="18" charset="0"/>
               </a:rPr>
-              <a:t>Все ваши любимые предметы мебели в одном месте для быстрого доступа.</a:t>
-            </a:r>
-            <a:endParaRPr lang="ru-RU" dirty="0">
+              <a:t>профиле</a:t>
+            </a:r>
+            <a:endParaRPr lang="en-US" dirty="0" smtClean="0">
               <a:latin typeface="Times New Roman" panose="02020603050405020304" pitchFamily="18" charset="0"/>
               <a:cs typeface="Times New Roman" panose="02020603050405020304" pitchFamily="18" charset="0"/>
             </a:endParaRPr>
+          </a:p>
+          <a:p>
+            <a:pPr>
+              <a:buFont typeface="Arial" panose="020B0604020202020204" pitchFamily="34" charset="0"/>
+              <a:buChar char="•"/>
+            </a:pPr>
+            <a:r>
+              <a:rPr lang="ru-RU" dirty="0">
+                <a:latin typeface="Times New Roman" panose="02020603050405020304" pitchFamily="18" charset="0"/>
+                <a:cs typeface="Times New Roman" panose="02020603050405020304" pitchFamily="18" charset="0"/>
+              </a:rPr>
+              <a:t>Доступ к функциям только после авторизации</a:t>
+            </a:r>
           </a:p>
         </p:txBody>
       </p:sp>
@@ -7763,120 +7951,157 @@
             <a:spLocks noGrp="1"/>
           </p:cNvSpPr>
           <p:nvPr>
-            <p:ph type="ctrTitle"/>
-          </p:nvPr>
-        </p:nvSpPr>
-        <p:spPr>
-          <a:xfrm>
-            <a:off x="466725" y="493713"/>
-            <a:ext cx="11029950" cy="1230312"/>
-          </a:xfrm>
-        </p:spPr>
-        <p:txBody>
-          <a:bodyPr>
-            <a:normAutofit/>
-          </a:bodyPr>
-          <a:lstStyle/>
-          <a:p>
-            <a:r>
-              <a:rPr lang="ru-RU" sz="3600" dirty="0" smtClean="0">
-                <a:latin typeface="Times New Roman" panose="02020603050405020304" pitchFamily="18" charset="0"/>
-                <a:cs typeface="Times New Roman" panose="02020603050405020304" pitchFamily="18" charset="0"/>
-              </a:rPr>
-              <a:t>Заключение: Ваш Идеальный Дом, Начинается Здесь</a:t>
-            </a:r>
-            <a:br>
-              <a:rPr lang="ru-RU" sz="3600" dirty="0" smtClean="0">
-                <a:latin typeface="Times New Roman" panose="02020603050405020304" pitchFamily="18" charset="0"/>
-                <a:cs typeface="Times New Roman" panose="02020603050405020304" pitchFamily="18" charset="0"/>
-              </a:rPr>
-            </a:br>
-            <a:endParaRPr lang="ru-RU" sz="3600" dirty="0">
+            <p:ph type="title"/>
+          </p:nvPr>
+        </p:nvSpPr>
+        <p:spPr/>
+        <p:txBody>
+          <a:bodyPr/>
+          <a:lstStyle/>
+          <a:p>
+            <a:r>
+              <a:rPr lang="ru-RU" dirty="0">
+                <a:latin typeface="Times New Roman" panose="02020603050405020304" pitchFamily="18" charset="0"/>
+                <a:cs typeface="Times New Roman" panose="02020603050405020304" pitchFamily="18" charset="0"/>
+              </a:rPr>
+              <a:t>Распространение приложения</a:t>
+            </a:r>
+          </a:p>
+        </p:txBody>
+      </p:sp>
+      <p:sp>
+        <p:nvSpPr>
+          <p:cNvPr id="3" name="Объект 2"/>
+          <p:cNvSpPr>
+            <a:spLocks noGrp="1"/>
+          </p:cNvSpPr>
+          <p:nvPr>
+            <p:ph idx="1"/>
+          </p:nvPr>
+        </p:nvSpPr>
+        <p:spPr/>
+        <p:txBody>
+          <a:bodyPr/>
+          <a:lstStyle/>
+          <a:p>
+            <a:pPr>
+              <a:buFont typeface="Arial" panose="020B0604020202020204" pitchFamily="34" charset="0"/>
+              <a:buChar char="•"/>
+            </a:pPr>
+            <a:r>
+              <a:rPr lang="ru-RU" dirty="0" smtClean="0">
+                <a:latin typeface="Times New Roman" panose="02020603050405020304" pitchFamily="18" charset="0"/>
+                <a:cs typeface="Times New Roman" panose="02020603050405020304" pitchFamily="18" charset="0"/>
+              </a:rPr>
+              <a:t>Приложение </a:t>
+            </a:r>
+            <a:r>
+              <a:rPr lang="ru-RU" dirty="0">
+                <a:latin typeface="Times New Roman" panose="02020603050405020304" pitchFamily="18" charset="0"/>
+                <a:cs typeface="Times New Roman" panose="02020603050405020304" pitchFamily="18" charset="0"/>
+              </a:rPr>
+              <a:t>распространяется в виде </a:t>
+            </a:r>
+            <a:r>
+              <a:rPr lang="ru-RU" b="1" dirty="0" smtClean="0">
+                <a:latin typeface="Times New Roman" panose="02020603050405020304" pitchFamily="18" charset="0"/>
+                <a:cs typeface="Times New Roman" panose="02020603050405020304" pitchFamily="18" charset="0"/>
+              </a:rPr>
+              <a:t>APK-файла</a:t>
+            </a:r>
+            <a:endParaRPr lang="en-US" b="1" dirty="0" smtClean="0">
               <a:latin typeface="Times New Roman" panose="02020603050405020304" pitchFamily="18" charset="0"/>
               <a:cs typeface="Times New Roman" panose="02020603050405020304" pitchFamily="18" charset="0"/>
             </a:endParaRPr>
           </a:p>
-        </p:txBody>
-      </p:sp>
-      <p:sp>
-        <p:nvSpPr>
-          <p:cNvPr id="3" name="Подзаголовок 2"/>
-          <p:cNvSpPr>
-            <a:spLocks noGrp="1"/>
-          </p:cNvSpPr>
-          <p:nvPr>
-            <p:ph type="subTitle" idx="1"/>
-          </p:nvPr>
-        </p:nvSpPr>
-        <p:spPr>
-          <a:xfrm>
-            <a:off x="466725" y="1724025"/>
-            <a:ext cx="10125076" cy="3981450"/>
-          </a:xfrm>
-        </p:spPr>
-        <p:txBody>
-          <a:bodyPr>
-            <a:normAutofit/>
-          </a:bodyPr>
-          <a:lstStyle/>
-          <a:p>
-            <a:pPr marL="342900" indent="-342900">
+          <a:p>
+            <a:pPr>
               <a:buFont typeface="Arial" panose="020B0604020202020204" pitchFamily="34" charset="0"/>
               <a:buChar char="•"/>
             </a:pPr>
             <a:r>
-              <a:rPr lang="ru-RU" dirty="0" smtClean="0"/>
-              <a:t>Интуитивный Дизайн Современный и простой интерфейс для максимального удобства пользователя.</a:t>
-            </a:r>
-          </a:p>
-          <a:p>
-            <a:pPr marL="342900" indent="-342900">
+              <a:rPr lang="ru-RU" dirty="0">
+                <a:latin typeface="Times New Roman" panose="02020603050405020304" pitchFamily="18" charset="0"/>
+                <a:cs typeface="Times New Roman" panose="02020603050405020304" pitchFamily="18" charset="0"/>
+              </a:rPr>
+              <a:t>Устанавливается вручную на устройства с </a:t>
+            </a:r>
+            <a:r>
+              <a:rPr lang="ru-RU" dirty="0" err="1">
+                <a:latin typeface="Times New Roman" panose="02020603050405020304" pitchFamily="18" charset="0"/>
+                <a:cs typeface="Times New Roman" panose="02020603050405020304" pitchFamily="18" charset="0"/>
+              </a:rPr>
+              <a:t>Android</a:t>
+            </a:r>
+            <a:r>
+              <a:rPr lang="ru-RU" dirty="0">
+                <a:latin typeface="Times New Roman" panose="02020603050405020304" pitchFamily="18" charset="0"/>
+                <a:cs typeface="Times New Roman" panose="02020603050405020304" pitchFamily="18" charset="0"/>
+              </a:rPr>
+              <a:t> 12 и </a:t>
+            </a:r>
+            <a:r>
+              <a:rPr lang="ru-RU" dirty="0" smtClean="0">
+                <a:latin typeface="Times New Roman" panose="02020603050405020304" pitchFamily="18" charset="0"/>
+                <a:cs typeface="Times New Roman" panose="02020603050405020304" pitchFamily="18" charset="0"/>
+              </a:rPr>
+              <a:t>выше</a:t>
+            </a:r>
+            <a:endParaRPr lang="en-US" dirty="0" smtClean="0">
+              <a:latin typeface="Times New Roman" panose="02020603050405020304" pitchFamily="18" charset="0"/>
+              <a:cs typeface="Times New Roman" panose="02020603050405020304" pitchFamily="18" charset="0"/>
+            </a:endParaRPr>
+          </a:p>
+          <a:p>
+            <a:pPr>
               <a:buFont typeface="Arial" panose="020B0604020202020204" pitchFamily="34" charset="0"/>
               <a:buChar char="•"/>
             </a:pPr>
             <a:r>
-              <a:rPr lang="ru-RU" dirty="0" smtClean="0"/>
-              <a:t>Удобная Доставка Быстрая и надежная доставка мебели прямо к вашей двери.</a:t>
-            </a:r>
-          </a:p>
-          <a:p>
-            <a:pPr marL="342900" indent="-342900">
-              <a:buFont typeface="Arial" panose="020B0604020202020204" pitchFamily="34" charset="0"/>
-              <a:buChar char="•"/>
-            </a:pPr>
-            <a:r>
-              <a:rPr lang="ru-RU" dirty="0" smtClean="0"/>
-              <a:t>Широкий Ассортимент Огромный выбор мебели на любой вкус и бюджет.</a:t>
-            </a:r>
-          </a:p>
-          <a:p>
-            <a:r>
-              <a:rPr lang="ru-RU" dirty="0" smtClean="0"/>
-              <a:t>"Магазин Мебели" — это не просто приложение, это ваш персональный ассистент в создании уютного и стильного пространства. Мы верим, что каждый достоин дома своей мечты, и наше приложение поможет вам в этом.</a:t>
-            </a:r>
-          </a:p>
-          <a:p>
-            <a:endParaRPr lang="ru-RU" dirty="0"/>
+              <a:rPr lang="ru-RU" dirty="0">
+                <a:latin typeface="Times New Roman" panose="02020603050405020304" pitchFamily="18" charset="0"/>
+                <a:cs typeface="Times New Roman" panose="02020603050405020304" pitchFamily="18" charset="0"/>
+              </a:rPr>
+              <a:t>Не требует подключения к </a:t>
+            </a:r>
+            <a:r>
+              <a:rPr lang="ru-RU" dirty="0" err="1">
+                <a:latin typeface="Times New Roman" panose="02020603050405020304" pitchFamily="18" charset="0"/>
+                <a:cs typeface="Times New Roman" panose="02020603050405020304" pitchFamily="18" charset="0"/>
+              </a:rPr>
+              <a:t>Google</a:t>
+            </a:r>
+            <a:r>
+              <a:rPr lang="ru-RU" dirty="0">
+                <a:latin typeface="Times New Roman" panose="02020603050405020304" pitchFamily="18" charset="0"/>
+                <a:cs typeface="Times New Roman" panose="02020603050405020304" pitchFamily="18" charset="0"/>
+              </a:rPr>
+              <a:t> </a:t>
+            </a:r>
+            <a:r>
+              <a:rPr lang="ru-RU" dirty="0" err="1">
+                <a:latin typeface="Times New Roman" panose="02020603050405020304" pitchFamily="18" charset="0"/>
+                <a:cs typeface="Times New Roman" panose="02020603050405020304" pitchFamily="18" charset="0"/>
+              </a:rPr>
+              <a:t>Play</a:t>
+            </a:r>
+            <a:endParaRPr lang="ru-RU" dirty="0">
+              <a:latin typeface="Times New Roman" panose="02020603050405020304" pitchFamily="18" charset="0"/>
+              <a:cs typeface="Times New Roman" panose="02020603050405020304" pitchFamily="18" charset="0"/>
+            </a:endParaRPr>
           </a:p>
         </p:txBody>
       </p:sp>
     </p:spTree>
     <p:extLst>
       <p:ext uri="{BB962C8B-B14F-4D97-AF65-F5344CB8AC3E}">
-        <p14:creationId xmlns:p14="http://schemas.microsoft.com/office/powerpoint/2010/main" val="1961330216"/>
+        <p14:creationId xmlns:p14="http://schemas.microsoft.com/office/powerpoint/2010/main" val="371454106"/>
       </p:ext>
     </p:extLst>
   </p:cSld>
   <p:clrMapOvr>
     <a:masterClrMapping/>
   </p:clrMapOvr>
-  <p:timing>
-    <p:tnLst>
-      <p:par>
-        <p:cTn id="1" dur="indefinite" restart="never" nodeType="tmRoot"/>
-      </p:par>
-    </p:tnLst>
-  </p:timing>
 </p:sld>
 </file>
 
